--- a/Slides TCC.pptx
+++ b/Slides TCC.pptx
@@ -2,30 +2,33 @@
 <file path=ppt/presentation.xml><?xml version="1.0" encoding="utf-8"?>
 <p:presentation xmlns:a="http://schemas.openxmlformats.org/drawingml/2006/main" xmlns:r="http://schemas.openxmlformats.org/officeDocument/2006/relationships" xmlns:mc="http://schemas.openxmlformats.org/markup-compatibility/2006" xmlns:mv="urn:schemas-microsoft-com:mac:vml" xmlns:p="http://schemas.openxmlformats.org/presentationml/2006/main" xmlns:c="http://schemas.openxmlformats.org/drawingml/2006/chart" xmlns:dgm="http://schemas.openxmlformats.org/drawingml/2006/diagram" xmlns:o="urn:schemas-microsoft-com:office:office" xmlns:v="urn:schemas-microsoft-com:vml" xmlns:pvml="urn:schemas-microsoft-com:office:powerpoint" xmlns:com="http://schemas.openxmlformats.org/drawingml/2006/compatibility" xmlns:p14="http://schemas.microsoft.com/office/powerpoint/2010/main" xmlns:p15="http://schemas.microsoft.com/office/powerpoint/2012/main" xmlns:ahyp="http://schemas.microsoft.com/office/drawing/2018/hyperlinkcolor" autoCompressPictures="0" embedTrueTypeFonts="1" strictFirstAndLastChars="0" saveSubsetFonts="1">
   <p:sldMasterIdLst>
-    <p:sldMasterId id="2147483660" r:id="rId3"/>
+    <p:sldMasterId id="2147483660" r:id="rId4"/>
   </p:sldMasterIdLst>
   <p:notesMasterIdLst>
-    <p:notesMasterId r:id="rId4"/>
+    <p:notesMasterId r:id="rId5"/>
   </p:notesMasterIdLst>
   <p:sldIdLst>
-    <p:sldId id="256" r:id="rId5"/>
-    <p:sldId id="257" r:id="rId6"/>
-    <p:sldId id="258" r:id="rId7"/>
-    <p:sldId id="259" r:id="rId8"/>
-    <p:sldId id="260" r:id="rId9"/>
-    <p:sldId id="261" r:id="rId10"/>
-    <p:sldId id="262" r:id="rId11"/>
-    <p:sldId id="263" r:id="rId12"/>
+    <p:sldId id="256" r:id="rId6"/>
+    <p:sldId id="257" r:id="rId7"/>
+    <p:sldId id="258" r:id="rId8"/>
+    <p:sldId id="259" r:id="rId9"/>
+    <p:sldId id="260" r:id="rId10"/>
+    <p:sldId id="261" r:id="rId11"/>
+    <p:sldId id="262" r:id="rId12"/>
+    <p:sldId id="263" r:id="rId13"/>
+    <p:sldId id="264" r:id="rId14"/>
+    <p:sldId id="265" r:id="rId15"/>
+    <p:sldId id="266" r:id="rId16"/>
   </p:sldIdLst>
   <p:sldSz cy="5670550" cx="10080625"/>
   <p:notesSz cx="7559675" cy="10691800"/>
   <p:embeddedFontLst>
     <p:embeddedFont>
       <p:font typeface="Roboto"/>
-      <p:regular r:id="rId13"/>
-      <p:bold r:id="rId14"/>
-      <p:italic r:id="rId15"/>
-      <p:boldItalic r:id="rId16"/>
+      <p:regular r:id="rId17"/>
+      <p:bold r:id="rId18"/>
+      <p:italic r:id="rId19"/>
+      <p:boldItalic r:id="rId20"/>
     </p:embeddedFont>
   </p:embeddedFontLst>
   <p:defaultTextStyle>
@@ -785,6 +788,204 @@
 </p:notes>
 </file>
 
+<file path=ppt/notesSlides/notesSlide10.xml><?xml version="1.0" encoding="utf-8"?>
+<p:notes xmlns:a="http://schemas.openxmlformats.org/drawingml/2006/main" xmlns:r="http://schemas.openxmlformats.org/officeDocument/2006/relationships" xmlns:mc="http://schemas.openxmlformats.org/markup-compatibility/2006" xmlns:mv="urn:schemas-microsoft-com:mac:vml" xmlns:p="http://schemas.openxmlformats.org/presentationml/2006/main" xmlns:c="http://schemas.openxmlformats.org/drawingml/2006/chart" xmlns:dgm="http://schemas.openxmlformats.org/drawingml/2006/diagram" xmlns:o="urn:schemas-microsoft-com:office:office" xmlns:v="urn:schemas-microsoft-com:vml" xmlns:pvml="urn:schemas-microsoft-com:office:powerpoint" xmlns:com="http://schemas.openxmlformats.org/drawingml/2006/compatibility" xmlns:p14="http://schemas.microsoft.com/office/powerpoint/2010/main" xmlns:p15="http://schemas.microsoft.com/office/powerpoint/2012/main" xmlns:ahyp="http://schemas.microsoft.com/office/drawing/2018/hyperlinkcolor" showMasterPhAnim="0" showMasterSp="0">
+  <p:cSld>
+    <p:spTree>
+      <p:nvGrpSpPr>
+        <p:cNvPr id="125" name="Shape 125"/>
+        <p:cNvGrpSpPr/>
+        <p:nvPr/>
+      </p:nvGrpSpPr>
+      <p:grpSpPr>
+        <a:xfrm>
+          <a:off x="0" y="0"/>
+          <a:ext cx="0" cy="0"/>
+          <a:chOff x="0" y="0"/>
+          <a:chExt cx="0" cy="0"/>
+        </a:xfrm>
+      </p:grpSpPr>
+      <p:sp>
+        <p:nvSpPr>
+          <p:cNvPr id="126" name="Google Shape;126;g1afc87cba0f_0_13:notes"/>
+          <p:cNvSpPr/>
+          <p:nvPr>
+            <p:ph idx="2" type="sldImg"/>
+          </p:nvPr>
+        </p:nvSpPr>
+        <p:spPr>
+          <a:xfrm>
+            <a:off x="1260175" y="801875"/>
+            <a:ext cx="5040000" cy="4009500"/>
+          </a:xfrm>
+          <a:custGeom>
+            <a:rect b="b" l="l" r="r" t="t"/>
+            <a:pathLst>
+              <a:path extrusionOk="0" h="120000" w="120000">
+                <a:moveTo>
+                  <a:pt x="0" y="0"/>
+                </a:moveTo>
+                <a:lnTo>
+                  <a:pt x="120000" y="0"/>
+                </a:lnTo>
+                <a:lnTo>
+                  <a:pt x="120000" y="120000"/>
+                </a:lnTo>
+                <a:lnTo>
+                  <a:pt x="0" y="120000"/>
+                </a:lnTo>
+                <a:close/>
+              </a:path>
+            </a:pathLst>
+          </a:custGeom>
+        </p:spPr>
+      </p:sp>
+      <p:sp>
+        <p:nvSpPr>
+          <p:cNvPr id="127" name="Google Shape;127;g1afc87cba0f_0_13:notes"/>
+          <p:cNvSpPr txBox="1"/>
+          <p:nvPr>
+            <p:ph idx="1" type="body"/>
+          </p:nvPr>
+        </p:nvSpPr>
+        <p:spPr>
+          <a:xfrm>
+            <a:off x="755950" y="5078600"/>
+            <a:ext cx="6047700" cy="4811400"/>
+          </a:xfrm>
+          <a:prstGeom prst="rect">
+            <a:avLst/>
+          </a:prstGeom>
+        </p:spPr>
+        <p:txBody>
+          <a:bodyPr anchorCtr="0" anchor="t" bIns="91425" lIns="91425" spcFirstLastPara="1" rIns="91425" wrap="square" tIns="91425">
+            <a:noAutofit/>
+          </a:bodyPr>
+          <a:lstStyle/>
+          <a:p>
+            <a:pPr indent="0" lvl="0" marL="0" rtl="0" algn="l">
+              <a:spcBef>
+                <a:spcPts val="0"/>
+              </a:spcBef>
+              <a:spcAft>
+                <a:spcPts val="0"/>
+              </a:spcAft>
+              <a:buNone/>
+            </a:pPr>
+            <a:r>
+              <a:t/>
+            </a:r>
+            <a:endParaRPr/>
+          </a:p>
+        </p:txBody>
+      </p:sp>
+    </p:spTree>
+  </p:cSld>
+  <p:clrMapOvr>
+    <a:masterClrMapping/>
+  </p:clrMapOvr>
+</p:notes>
+</file>
+
+<file path=ppt/notesSlides/notesSlide11.xml><?xml version="1.0" encoding="utf-8"?>
+<p:notes xmlns:a="http://schemas.openxmlformats.org/drawingml/2006/main" xmlns:r="http://schemas.openxmlformats.org/officeDocument/2006/relationships" xmlns:mc="http://schemas.openxmlformats.org/markup-compatibility/2006" xmlns:mv="urn:schemas-microsoft-com:mac:vml" xmlns:p="http://schemas.openxmlformats.org/presentationml/2006/main" xmlns:c="http://schemas.openxmlformats.org/drawingml/2006/chart" xmlns:dgm="http://schemas.openxmlformats.org/drawingml/2006/diagram" xmlns:o="urn:schemas-microsoft-com:office:office" xmlns:v="urn:schemas-microsoft-com:vml" xmlns:pvml="urn:schemas-microsoft-com:office:powerpoint" xmlns:com="http://schemas.openxmlformats.org/drawingml/2006/compatibility" xmlns:p14="http://schemas.microsoft.com/office/powerpoint/2010/main" xmlns:p15="http://schemas.microsoft.com/office/powerpoint/2012/main" xmlns:ahyp="http://schemas.microsoft.com/office/drawing/2018/hyperlinkcolor" showMasterPhAnim="0" showMasterSp="0">
+  <p:cSld>
+    <p:spTree>
+      <p:nvGrpSpPr>
+        <p:cNvPr id="131" name="Shape 131"/>
+        <p:cNvGrpSpPr/>
+        <p:nvPr/>
+      </p:nvGrpSpPr>
+      <p:grpSpPr>
+        <a:xfrm>
+          <a:off x="0" y="0"/>
+          <a:ext cx="0" cy="0"/>
+          <a:chOff x="0" y="0"/>
+          <a:chExt cx="0" cy="0"/>
+        </a:xfrm>
+      </p:grpSpPr>
+      <p:sp>
+        <p:nvSpPr>
+          <p:cNvPr id="132" name="Google Shape;132;g1af933a7b1c_0_2:notes"/>
+          <p:cNvSpPr/>
+          <p:nvPr>
+            <p:ph idx="2" type="sldImg"/>
+          </p:nvPr>
+        </p:nvSpPr>
+        <p:spPr>
+          <a:xfrm>
+            <a:off x="1260175" y="801875"/>
+            <a:ext cx="5040000" cy="4009500"/>
+          </a:xfrm>
+          <a:custGeom>
+            <a:rect b="b" l="l" r="r" t="t"/>
+            <a:pathLst>
+              <a:path extrusionOk="0" h="120000" w="120000">
+                <a:moveTo>
+                  <a:pt x="0" y="0"/>
+                </a:moveTo>
+                <a:lnTo>
+                  <a:pt x="120000" y="0"/>
+                </a:lnTo>
+                <a:lnTo>
+                  <a:pt x="120000" y="120000"/>
+                </a:lnTo>
+                <a:lnTo>
+                  <a:pt x="0" y="120000"/>
+                </a:lnTo>
+                <a:close/>
+              </a:path>
+            </a:pathLst>
+          </a:custGeom>
+        </p:spPr>
+      </p:sp>
+      <p:sp>
+        <p:nvSpPr>
+          <p:cNvPr id="133" name="Google Shape;133;g1af933a7b1c_0_2:notes"/>
+          <p:cNvSpPr txBox="1"/>
+          <p:nvPr>
+            <p:ph idx="1" type="body"/>
+          </p:nvPr>
+        </p:nvSpPr>
+        <p:spPr>
+          <a:xfrm>
+            <a:off x="755950" y="5078600"/>
+            <a:ext cx="6047700" cy="4811400"/>
+          </a:xfrm>
+          <a:prstGeom prst="rect">
+            <a:avLst/>
+          </a:prstGeom>
+        </p:spPr>
+        <p:txBody>
+          <a:bodyPr anchorCtr="0" anchor="t" bIns="91425" lIns="91425" spcFirstLastPara="1" rIns="91425" wrap="square" tIns="91425">
+            <a:noAutofit/>
+          </a:bodyPr>
+          <a:lstStyle/>
+          <a:p>
+            <a:pPr indent="0" lvl="0" marL="0" rtl="0" algn="l">
+              <a:spcBef>
+                <a:spcPts val="0"/>
+              </a:spcBef>
+              <a:spcAft>
+                <a:spcPts val="0"/>
+              </a:spcAft>
+              <a:buNone/>
+            </a:pPr>
+            <a:r>
+              <a:t/>
+            </a:r>
+            <a:endParaRPr/>
+          </a:p>
+        </p:txBody>
+      </p:sp>
+    </p:spTree>
+  </p:cSld>
+  <p:clrMapOvr>
+    <a:masterClrMapping/>
+  </p:clrMapOvr>
+</p:notes>
+</file>
+
 <file path=ppt/notesSlides/notesSlide2.xml><?xml version="1.0" encoding="utf-8"?>
 <p:notes xmlns:a="http://schemas.openxmlformats.org/drawingml/2006/main" xmlns:r="http://schemas.openxmlformats.org/officeDocument/2006/relationships" xmlns:mc="http://schemas.openxmlformats.org/markup-compatibility/2006" xmlns:mv="urn:schemas-microsoft-com:mac:vml" xmlns:p="http://schemas.openxmlformats.org/presentationml/2006/main" xmlns:c="http://schemas.openxmlformats.org/drawingml/2006/chart" xmlns:dgm="http://schemas.openxmlformats.org/drawingml/2006/diagram" xmlns:o="urn:schemas-microsoft-com:office:office" xmlns:v="urn:schemas-microsoft-com:vml" xmlns:pvml="urn:schemas-microsoft-com:office:powerpoint" xmlns:com="http://schemas.openxmlformats.org/drawingml/2006/compatibility" xmlns:p14="http://schemas.microsoft.com/office/powerpoint/2010/main" xmlns:p15="http://schemas.microsoft.com/office/powerpoint/2012/main" xmlns:ahyp="http://schemas.microsoft.com/office/drawing/2018/hyperlinkcolor" showMasterPhAnim="0" showMasterSp="0">
   <p:cSld>
@@ -1384,7 +1585,7 @@
   <p:cSld>
     <p:spTree>
       <p:nvGrpSpPr>
-        <p:cNvPr id="107" name="Shape 107"/>
+        <p:cNvPr id="109" name="Shape 109"/>
         <p:cNvGrpSpPr/>
         <p:nvPr/>
       </p:nvGrpSpPr>
@@ -1398,7 +1599,7 @@
       </p:grpSpPr>
       <p:sp>
         <p:nvSpPr>
-          <p:cNvPr id="108" name="Google Shape;108;g1af933a7b1c_0_2:notes"/>
+          <p:cNvPr id="110" name="Google Shape;110;g1afc87cba0f_0_20:notes"/>
           <p:cNvSpPr/>
           <p:nvPr>
             <p:ph idx="2" type="sldImg"/>
@@ -1433,7 +1634,106 @@
       </p:sp>
       <p:sp>
         <p:nvSpPr>
-          <p:cNvPr id="109" name="Google Shape;109;g1af933a7b1c_0_2:notes"/>
+          <p:cNvPr id="111" name="Google Shape;111;g1afc87cba0f_0_20:notes"/>
+          <p:cNvSpPr txBox="1"/>
+          <p:nvPr>
+            <p:ph idx="1" type="body"/>
+          </p:nvPr>
+        </p:nvSpPr>
+        <p:spPr>
+          <a:xfrm>
+            <a:off x="755950" y="5078600"/>
+            <a:ext cx="6047700" cy="4811400"/>
+          </a:xfrm>
+          <a:prstGeom prst="rect">
+            <a:avLst/>
+          </a:prstGeom>
+        </p:spPr>
+        <p:txBody>
+          <a:bodyPr anchorCtr="0" anchor="t" bIns="91425" lIns="91425" spcFirstLastPara="1" rIns="91425" wrap="square" tIns="91425">
+            <a:noAutofit/>
+          </a:bodyPr>
+          <a:lstStyle/>
+          <a:p>
+            <a:pPr indent="0" lvl="0" marL="0" rtl="0" algn="l">
+              <a:spcBef>
+                <a:spcPts val="0"/>
+              </a:spcBef>
+              <a:spcAft>
+                <a:spcPts val="0"/>
+              </a:spcAft>
+              <a:buNone/>
+            </a:pPr>
+            <a:r>
+              <a:t/>
+            </a:r>
+            <a:endParaRPr/>
+          </a:p>
+        </p:txBody>
+      </p:sp>
+    </p:spTree>
+  </p:cSld>
+  <p:clrMapOvr>
+    <a:masterClrMapping/>
+  </p:clrMapOvr>
+</p:notes>
+</file>
+
+<file path=ppt/notesSlides/notesSlide9.xml><?xml version="1.0" encoding="utf-8"?>
+<p:notes xmlns:a="http://schemas.openxmlformats.org/drawingml/2006/main" xmlns:r="http://schemas.openxmlformats.org/officeDocument/2006/relationships" xmlns:mc="http://schemas.openxmlformats.org/markup-compatibility/2006" xmlns:mv="urn:schemas-microsoft-com:mac:vml" xmlns:p="http://schemas.openxmlformats.org/presentationml/2006/main" xmlns:c="http://schemas.openxmlformats.org/drawingml/2006/chart" xmlns:dgm="http://schemas.openxmlformats.org/drawingml/2006/diagram" xmlns:o="urn:schemas-microsoft-com:office:office" xmlns:v="urn:schemas-microsoft-com:vml" xmlns:pvml="urn:schemas-microsoft-com:office:powerpoint" xmlns:com="http://schemas.openxmlformats.org/drawingml/2006/compatibility" xmlns:p14="http://schemas.microsoft.com/office/powerpoint/2010/main" xmlns:p15="http://schemas.microsoft.com/office/powerpoint/2012/main" xmlns:ahyp="http://schemas.microsoft.com/office/drawing/2018/hyperlinkcolor" showMasterPhAnim="0" showMasterSp="0">
+  <p:cSld>
+    <p:spTree>
+      <p:nvGrpSpPr>
+        <p:cNvPr id="117" name="Shape 117"/>
+        <p:cNvGrpSpPr/>
+        <p:nvPr/>
+      </p:nvGrpSpPr>
+      <p:grpSpPr>
+        <a:xfrm>
+          <a:off x="0" y="0"/>
+          <a:ext cx="0" cy="0"/>
+          <a:chOff x="0" y="0"/>
+          <a:chExt cx="0" cy="0"/>
+        </a:xfrm>
+      </p:grpSpPr>
+      <p:sp>
+        <p:nvSpPr>
+          <p:cNvPr id="118" name="Google Shape;118;g1afc87cba0f_0_3:notes"/>
+          <p:cNvSpPr/>
+          <p:nvPr>
+            <p:ph idx="2" type="sldImg"/>
+          </p:nvPr>
+        </p:nvSpPr>
+        <p:spPr>
+          <a:xfrm>
+            <a:off x="1260175" y="801875"/>
+            <a:ext cx="5040000" cy="4009500"/>
+          </a:xfrm>
+          <a:custGeom>
+            <a:rect b="b" l="l" r="r" t="t"/>
+            <a:pathLst>
+              <a:path extrusionOk="0" h="120000" w="120000">
+                <a:moveTo>
+                  <a:pt x="0" y="0"/>
+                </a:moveTo>
+                <a:lnTo>
+                  <a:pt x="120000" y="0"/>
+                </a:lnTo>
+                <a:lnTo>
+                  <a:pt x="120000" y="120000"/>
+                </a:lnTo>
+                <a:lnTo>
+                  <a:pt x="0" y="120000"/>
+                </a:lnTo>
+                <a:close/>
+              </a:path>
+            </a:pathLst>
+          </a:custGeom>
+        </p:spPr>
+      </p:sp>
+      <p:sp>
+        <p:nvSpPr>
+          <p:cNvPr id="119" name="Google Shape;119;g1afc87cba0f_0_3:notes"/>
           <p:cNvSpPr txBox="1"/>
           <p:nvPr>
             <p:ph idx="1" type="body"/>
@@ -8154,6 +8454,683 @@
 </p:sld>
 </file>
 
+<file path=ppt/slides/slide10.xml><?xml version="1.0" encoding="utf-8"?>
+<p:sld xmlns:a="http://schemas.openxmlformats.org/drawingml/2006/main" xmlns:r="http://schemas.openxmlformats.org/officeDocument/2006/relationships" xmlns:mc="http://schemas.openxmlformats.org/markup-compatibility/2006" xmlns:mv="urn:schemas-microsoft-com:mac:vml" xmlns:p="http://schemas.openxmlformats.org/presentationml/2006/main" xmlns:c="http://schemas.openxmlformats.org/drawingml/2006/chart" xmlns:dgm="http://schemas.openxmlformats.org/drawingml/2006/diagram" xmlns:o="urn:schemas-microsoft-com:office:office" xmlns:v="urn:schemas-microsoft-com:vml" xmlns:pvml="urn:schemas-microsoft-com:office:powerpoint" xmlns:com="http://schemas.openxmlformats.org/drawingml/2006/compatibility" xmlns:p14="http://schemas.microsoft.com/office/powerpoint/2010/main" xmlns:p15="http://schemas.microsoft.com/office/powerpoint/2012/main" xmlns:ahyp="http://schemas.microsoft.com/office/drawing/2018/hyperlinkcolor">
+  <p:cSld>
+    <p:spTree>
+      <p:nvGrpSpPr>
+        <p:cNvPr id="128" name="Shape 128"/>
+        <p:cNvGrpSpPr/>
+        <p:nvPr/>
+      </p:nvGrpSpPr>
+      <p:grpSpPr>
+        <a:xfrm>
+          <a:off x="0" y="0"/>
+          <a:ext cx="0" cy="0"/>
+          <a:chOff x="0" y="0"/>
+          <a:chExt cx="0" cy="0"/>
+        </a:xfrm>
+      </p:grpSpPr>
+      <p:sp>
+        <p:nvSpPr>
+          <p:cNvPr id="129" name="Google Shape;129;p23"/>
+          <p:cNvSpPr txBox="1"/>
+          <p:nvPr>
+            <p:ph type="title"/>
+          </p:nvPr>
+        </p:nvSpPr>
+        <p:spPr>
+          <a:xfrm>
+            <a:off x="1584300" y="942975"/>
+            <a:ext cx="7991700" cy="457200"/>
+          </a:xfrm>
+          <a:prstGeom prst="rect">
+            <a:avLst/>
+          </a:prstGeom>
+        </p:spPr>
+        <p:txBody>
+          <a:bodyPr anchorCtr="0" anchor="ctr" bIns="0" lIns="0" spcFirstLastPara="1" rIns="0" wrap="square" tIns="0">
+            <a:noAutofit/>
+          </a:bodyPr>
+          <a:lstStyle/>
+          <a:p>
+            <a:pPr indent="0" lvl="0" marL="0" rtl="0" algn="l">
+              <a:spcBef>
+                <a:spcPts val="0"/>
+              </a:spcBef>
+              <a:spcAft>
+                <a:spcPts val="0"/>
+              </a:spcAft>
+              <a:buNone/>
+            </a:pPr>
+            <a:r>
+              <a:rPr b="1" lang="pt-BR" sz="3200">
+                <a:solidFill>
+                  <a:srgbClr val="45982F"/>
+                </a:solidFill>
+              </a:rPr>
+              <a:t>Programação em Blocos</a:t>
+            </a:r>
+            <a:endParaRPr sz="2500"/>
+          </a:p>
+        </p:txBody>
+      </p:sp>
+      <p:sp>
+        <p:nvSpPr>
+          <p:cNvPr id="130" name="Google Shape;130;p23"/>
+          <p:cNvSpPr txBox="1"/>
+          <p:nvPr>
+            <p:ph idx="1" type="body"/>
+          </p:nvPr>
+        </p:nvSpPr>
+        <p:spPr>
+          <a:xfrm>
+            <a:off x="360000" y="1944000"/>
+            <a:ext cx="9216000" cy="3220500"/>
+          </a:xfrm>
+          <a:prstGeom prst="rect">
+            <a:avLst/>
+          </a:prstGeom>
+        </p:spPr>
+        <p:txBody>
+          <a:bodyPr anchorCtr="0" anchor="t" bIns="0" lIns="0" spcFirstLastPara="1" rIns="0" wrap="square" tIns="0">
+            <a:noAutofit/>
+          </a:bodyPr>
+          <a:lstStyle/>
+          <a:p>
+            <a:pPr indent="-317500" lvl="0" marL="457200" rtl="0" algn="l">
+              <a:lnSpc>
+                <a:spcPct val="150000"/>
+              </a:lnSpc>
+              <a:spcBef>
+                <a:spcPts val="0"/>
+              </a:spcBef>
+              <a:spcAft>
+                <a:spcPts val="0"/>
+              </a:spcAft>
+              <a:buSzPts val="1400"/>
+              <a:buChar char="●"/>
+            </a:pPr>
+            <a:r>
+              <a:rPr lang="pt-BR"/>
+              <a:t>Funcionam como um quebra cabeça.</a:t>
+            </a:r>
+            <a:endParaRPr/>
+          </a:p>
+          <a:p>
+            <a:pPr indent="-317500" lvl="0" marL="457200" rtl="0" algn="l">
+              <a:lnSpc>
+                <a:spcPct val="150000"/>
+              </a:lnSpc>
+              <a:spcBef>
+                <a:spcPts val="0"/>
+              </a:spcBef>
+              <a:spcAft>
+                <a:spcPts val="0"/>
+              </a:spcAft>
+              <a:buSzPts val="1400"/>
+              <a:buChar char="●"/>
+            </a:pPr>
+            <a:r>
+              <a:rPr lang="pt-BR"/>
+              <a:t>Arrasta-se os blocos para uni-los.</a:t>
+            </a:r>
+            <a:endParaRPr/>
+          </a:p>
+          <a:p>
+            <a:pPr indent="-317500" lvl="0" marL="457200" rtl="0" algn="l">
+              <a:lnSpc>
+                <a:spcPct val="150000"/>
+              </a:lnSpc>
+              <a:spcBef>
+                <a:spcPts val="0"/>
+              </a:spcBef>
+              <a:spcAft>
+                <a:spcPts val="0"/>
+              </a:spcAft>
+              <a:buSzPts val="1400"/>
+              <a:buChar char="●"/>
+            </a:pPr>
+            <a:r>
+              <a:rPr lang="pt-BR"/>
+              <a:t>Elimina os erros de sintaxe.</a:t>
+            </a:r>
+            <a:endParaRPr/>
+          </a:p>
+          <a:p>
+            <a:pPr indent="-317500" lvl="0" marL="457200" rtl="0" algn="l">
+              <a:lnSpc>
+                <a:spcPct val="150000"/>
+              </a:lnSpc>
+              <a:spcBef>
+                <a:spcPts val="0"/>
+              </a:spcBef>
+              <a:spcAft>
+                <a:spcPts val="0"/>
+              </a:spcAft>
+              <a:buSzPts val="1400"/>
+              <a:buChar char="●"/>
+            </a:pPr>
+            <a:r>
+              <a:rPr lang="pt-BR"/>
+              <a:t>Mantém</a:t>
+            </a:r>
+            <a:r>
+              <a:rPr lang="pt-BR"/>
+              <a:t> o foco apenas no fluxo de controle.</a:t>
+            </a:r>
+            <a:endParaRPr/>
+          </a:p>
+        </p:txBody>
+      </p:sp>
+    </p:spTree>
+  </p:cSld>
+  <p:clrMapOvr>
+    <a:masterClrMapping/>
+  </p:clrMapOvr>
+</p:sld>
+</file>
+
+<file path=ppt/slides/slide11.xml><?xml version="1.0" encoding="utf-8"?>
+<p:sld xmlns:a="http://schemas.openxmlformats.org/drawingml/2006/main" xmlns:r="http://schemas.openxmlformats.org/officeDocument/2006/relationships" xmlns:mc="http://schemas.openxmlformats.org/markup-compatibility/2006" xmlns:mv="urn:schemas-microsoft-com:mac:vml" xmlns:p="http://schemas.openxmlformats.org/presentationml/2006/main" xmlns:c="http://schemas.openxmlformats.org/drawingml/2006/chart" xmlns:dgm="http://schemas.openxmlformats.org/drawingml/2006/diagram" xmlns:o="urn:schemas-microsoft-com:office:office" xmlns:v="urn:schemas-microsoft-com:vml" xmlns:pvml="urn:schemas-microsoft-com:office:powerpoint" xmlns:com="http://schemas.openxmlformats.org/drawingml/2006/compatibility" xmlns:p14="http://schemas.microsoft.com/office/powerpoint/2010/main" xmlns:p15="http://schemas.microsoft.com/office/powerpoint/2012/main" xmlns:ahyp="http://schemas.microsoft.com/office/drawing/2018/hyperlinkcolor">
+  <p:cSld>
+    <p:spTree>
+      <p:nvGrpSpPr>
+        <p:cNvPr id="134" name="Shape 134"/>
+        <p:cNvGrpSpPr/>
+        <p:nvPr/>
+      </p:nvGrpSpPr>
+      <p:grpSpPr>
+        <a:xfrm>
+          <a:off x="0" y="0"/>
+          <a:ext cx="0" cy="0"/>
+          <a:chOff x="0" y="0"/>
+          <a:chExt cx="0" cy="0"/>
+        </a:xfrm>
+      </p:grpSpPr>
+      <p:sp>
+        <p:nvSpPr>
+          <p:cNvPr id="135" name="Google Shape;135;p24"/>
+          <p:cNvSpPr txBox="1"/>
+          <p:nvPr>
+            <p:ph type="title"/>
+          </p:nvPr>
+        </p:nvSpPr>
+        <p:spPr>
+          <a:xfrm>
+            <a:off x="1584300" y="942975"/>
+            <a:ext cx="7991700" cy="457200"/>
+          </a:xfrm>
+          <a:prstGeom prst="rect">
+            <a:avLst/>
+          </a:prstGeom>
+        </p:spPr>
+        <p:txBody>
+          <a:bodyPr anchorCtr="0" anchor="ctr" bIns="0" lIns="0" spcFirstLastPara="1" rIns="0" wrap="square" tIns="0">
+            <a:noAutofit/>
+          </a:bodyPr>
+          <a:lstStyle/>
+          <a:p>
+            <a:pPr indent="0" lvl="0" marL="0" rtl="0" algn="l">
+              <a:spcBef>
+                <a:spcPts val="0"/>
+              </a:spcBef>
+              <a:spcAft>
+                <a:spcPts val="0"/>
+              </a:spcAft>
+              <a:buNone/>
+            </a:pPr>
+            <a:r>
+              <a:rPr b="1" lang="pt-BR" sz="3200">
+                <a:solidFill>
+                  <a:srgbClr val="45982F"/>
+                </a:solidFill>
+              </a:rPr>
+              <a:t>Referências</a:t>
+            </a:r>
+            <a:endParaRPr sz="2500"/>
+          </a:p>
+        </p:txBody>
+      </p:sp>
+      <p:sp>
+        <p:nvSpPr>
+          <p:cNvPr id="136" name="Google Shape;136;p24"/>
+          <p:cNvSpPr txBox="1"/>
+          <p:nvPr>
+            <p:ph idx="1" type="body"/>
+          </p:nvPr>
+        </p:nvSpPr>
+        <p:spPr>
+          <a:xfrm>
+            <a:off x="360000" y="1944000"/>
+            <a:ext cx="9327000" cy="3220500"/>
+          </a:xfrm>
+          <a:prstGeom prst="rect">
+            <a:avLst/>
+          </a:prstGeom>
+        </p:spPr>
+        <p:txBody>
+          <a:bodyPr anchorCtr="0" anchor="t" bIns="0" lIns="0" spcFirstLastPara="1" rIns="0" wrap="square" tIns="0">
+            <a:noAutofit/>
+          </a:bodyPr>
+          <a:lstStyle/>
+          <a:p>
+            <a:pPr indent="0" lvl="0" marL="0" rtl="0" algn="just">
+              <a:lnSpc>
+                <a:spcPct val="100000"/>
+              </a:lnSpc>
+              <a:spcBef>
+                <a:spcPts val="0"/>
+              </a:spcBef>
+              <a:spcAft>
+                <a:spcPts val="0"/>
+              </a:spcAft>
+              <a:buNone/>
+            </a:pPr>
+            <a:r>
+              <a:rPr lang="pt-BR" sz="1200">
+                <a:solidFill>
+                  <a:srgbClr val="222222"/>
+                </a:solidFill>
+                <a:highlight>
+                  <a:srgbClr val="FFFFFF"/>
+                </a:highlight>
+                <a:latin typeface="Roboto"/>
+                <a:ea typeface="Roboto"/>
+                <a:cs typeface="Roboto"/>
+                <a:sym typeface="Roboto"/>
+              </a:rPr>
+              <a:t>ZION RESEARCH ANALYSIS. </a:t>
+            </a:r>
+            <a:r>
+              <a:rPr b="1" lang="pt-BR" sz="1200">
+                <a:solidFill>
+                  <a:srgbClr val="222222"/>
+                </a:solidFill>
+                <a:highlight>
+                  <a:srgbClr val="FFFFFF"/>
+                </a:highlight>
+                <a:latin typeface="Roboto"/>
+                <a:ea typeface="Roboto"/>
+                <a:cs typeface="Roboto"/>
+                <a:sym typeface="Roboto"/>
+              </a:rPr>
+              <a:t>Embedded Systems Market - Global Industry Analysis</a:t>
+            </a:r>
+            <a:r>
+              <a:rPr lang="pt-BR" sz="1200">
+                <a:solidFill>
+                  <a:srgbClr val="222222"/>
+                </a:solidFill>
+                <a:highlight>
+                  <a:srgbClr val="FFFFFF"/>
+                </a:highlight>
+                <a:latin typeface="Roboto"/>
+                <a:ea typeface="Roboto"/>
+                <a:cs typeface="Roboto"/>
+                <a:sym typeface="Roboto"/>
+              </a:rPr>
+              <a:t>. Disponível em: https://www.zionmarketresearch.com/report/embedded-systems-market. Acesso em: 14 dez. 2022.</a:t>
+            </a:r>
+            <a:endParaRPr sz="1200">
+              <a:solidFill>
+                <a:srgbClr val="222222"/>
+              </a:solidFill>
+              <a:highlight>
+                <a:srgbClr val="FFFFFF"/>
+              </a:highlight>
+              <a:latin typeface="Roboto"/>
+              <a:ea typeface="Roboto"/>
+              <a:cs typeface="Roboto"/>
+              <a:sym typeface="Roboto"/>
+            </a:endParaRPr>
+          </a:p>
+          <a:p>
+            <a:pPr indent="0" lvl="0" marL="0" rtl="0" algn="just">
+              <a:lnSpc>
+                <a:spcPct val="100000"/>
+              </a:lnSpc>
+              <a:spcBef>
+                <a:spcPts val="0"/>
+              </a:spcBef>
+              <a:spcAft>
+                <a:spcPts val="0"/>
+              </a:spcAft>
+              <a:buNone/>
+            </a:pPr>
+            <a:r>
+              <a:t/>
+            </a:r>
+            <a:endParaRPr sz="1200">
+              <a:solidFill>
+                <a:srgbClr val="222222"/>
+              </a:solidFill>
+              <a:highlight>
+                <a:srgbClr val="FFFFFF"/>
+              </a:highlight>
+              <a:latin typeface="Roboto"/>
+              <a:ea typeface="Roboto"/>
+              <a:cs typeface="Roboto"/>
+              <a:sym typeface="Roboto"/>
+            </a:endParaRPr>
+          </a:p>
+          <a:p>
+            <a:pPr indent="0" lvl="0" marL="0" rtl="0" algn="just">
+              <a:lnSpc>
+                <a:spcPct val="100000"/>
+              </a:lnSpc>
+              <a:spcBef>
+                <a:spcPts val="0"/>
+              </a:spcBef>
+              <a:spcAft>
+                <a:spcPts val="0"/>
+              </a:spcAft>
+              <a:buNone/>
+            </a:pPr>
+            <a:r>
+              <a:rPr lang="pt-BR" sz="1200">
+                <a:solidFill>
+                  <a:srgbClr val="222222"/>
+                </a:solidFill>
+                <a:highlight>
+                  <a:srgbClr val="FFFFFF"/>
+                </a:highlight>
+                <a:latin typeface="Roboto"/>
+                <a:ea typeface="Roboto"/>
+                <a:cs typeface="Roboto"/>
+                <a:sym typeface="Roboto"/>
+              </a:rPr>
+              <a:t>CABALLAR, Rina Diane. </a:t>
+            </a:r>
+            <a:r>
+              <a:rPr b="1" lang="pt-BR" sz="1200">
+                <a:solidFill>
+                  <a:srgbClr val="222222"/>
+                </a:solidFill>
+                <a:highlight>
+                  <a:srgbClr val="FFFFFF"/>
+                </a:highlight>
+                <a:latin typeface="Roboto"/>
+                <a:ea typeface="Roboto"/>
+                <a:cs typeface="Roboto"/>
+                <a:sym typeface="Roboto"/>
+              </a:rPr>
+              <a:t>Programming Without Code: the rise of no-code software development</a:t>
+            </a:r>
+            <a:r>
+              <a:rPr lang="pt-BR" sz="1200">
+                <a:solidFill>
+                  <a:srgbClr val="222222"/>
+                </a:solidFill>
+                <a:highlight>
+                  <a:srgbClr val="FFFFFF"/>
+                </a:highlight>
+                <a:latin typeface="Roboto"/>
+                <a:ea typeface="Roboto"/>
+                <a:cs typeface="Roboto"/>
+                <a:sym typeface="Roboto"/>
+              </a:rPr>
+              <a:t>. 2020. Disponível em: https://spectrum.ieee.org/programming-without-code-no-code-software-development. Acesso em: 14 out. 2022.</a:t>
+            </a:r>
+            <a:endParaRPr sz="1200">
+              <a:solidFill>
+                <a:srgbClr val="222222"/>
+              </a:solidFill>
+              <a:highlight>
+                <a:srgbClr val="FFFFFF"/>
+              </a:highlight>
+              <a:latin typeface="Roboto"/>
+              <a:ea typeface="Roboto"/>
+              <a:cs typeface="Roboto"/>
+              <a:sym typeface="Roboto"/>
+            </a:endParaRPr>
+          </a:p>
+          <a:p>
+            <a:pPr indent="0" lvl="0" marL="0" rtl="0" algn="just">
+              <a:lnSpc>
+                <a:spcPct val="100000"/>
+              </a:lnSpc>
+              <a:spcBef>
+                <a:spcPts val="0"/>
+              </a:spcBef>
+              <a:spcAft>
+                <a:spcPts val="0"/>
+              </a:spcAft>
+              <a:buNone/>
+            </a:pPr>
+            <a:r>
+              <a:t/>
+            </a:r>
+            <a:endParaRPr sz="1200">
+              <a:solidFill>
+                <a:srgbClr val="222222"/>
+              </a:solidFill>
+              <a:highlight>
+                <a:srgbClr val="FFFFFF"/>
+              </a:highlight>
+              <a:latin typeface="Roboto"/>
+              <a:ea typeface="Roboto"/>
+              <a:cs typeface="Roboto"/>
+              <a:sym typeface="Roboto"/>
+            </a:endParaRPr>
+          </a:p>
+          <a:p>
+            <a:pPr indent="0" lvl="0" marL="0" rtl="0" algn="just">
+              <a:spcBef>
+                <a:spcPts val="0"/>
+              </a:spcBef>
+              <a:spcAft>
+                <a:spcPts val="0"/>
+              </a:spcAft>
+              <a:buClr>
+                <a:schemeClr val="dk1"/>
+              </a:buClr>
+              <a:buSzPts val="1100"/>
+              <a:buFont typeface="Arial"/>
+              <a:buNone/>
+            </a:pPr>
+            <a:r>
+              <a:rPr lang="pt-BR" sz="1200">
+                <a:solidFill>
+                  <a:schemeClr val="dk1"/>
+                </a:solidFill>
+                <a:highlight>
+                  <a:srgbClr val="FFFFFF"/>
+                </a:highlight>
+              </a:rPr>
+              <a:t>WEINTROP, David. </a:t>
+            </a:r>
+            <a:r>
+              <a:rPr b="1" lang="pt-BR" sz="1200">
+                <a:solidFill>
+                  <a:schemeClr val="dk1"/>
+                </a:solidFill>
+                <a:highlight>
+                  <a:srgbClr val="FFFFFF"/>
+                </a:highlight>
+              </a:rPr>
+              <a:t>Block-based programming in computer science education</a:t>
+            </a:r>
+            <a:r>
+              <a:rPr lang="pt-BR" sz="1200">
+                <a:solidFill>
+                  <a:schemeClr val="dk1"/>
+                </a:solidFill>
+                <a:highlight>
+                  <a:srgbClr val="FFFFFF"/>
+                </a:highlight>
+              </a:rPr>
+              <a:t>. Communications of the ACM, v. 62, n. 8, p. 22-25, 2019.</a:t>
+            </a:r>
+            <a:endParaRPr sz="1200">
+              <a:solidFill>
+                <a:schemeClr val="dk1"/>
+              </a:solidFill>
+              <a:highlight>
+                <a:srgbClr val="FFFFFF"/>
+              </a:highlight>
+            </a:endParaRPr>
+          </a:p>
+          <a:p>
+            <a:pPr indent="0" lvl="0" marL="0" rtl="0" algn="just">
+              <a:spcBef>
+                <a:spcPts val="0"/>
+              </a:spcBef>
+              <a:spcAft>
+                <a:spcPts val="0"/>
+              </a:spcAft>
+              <a:buClr>
+                <a:schemeClr val="dk1"/>
+              </a:buClr>
+              <a:buSzPts val="1100"/>
+              <a:buFont typeface="Arial"/>
+              <a:buNone/>
+            </a:pPr>
+            <a:r>
+              <a:t/>
+            </a:r>
+            <a:endParaRPr sz="1200">
+              <a:solidFill>
+                <a:schemeClr val="dk1"/>
+              </a:solidFill>
+              <a:highlight>
+                <a:srgbClr val="FFFFFF"/>
+              </a:highlight>
+            </a:endParaRPr>
+          </a:p>
+          <a:p>
+            <a:pPr indent="0" lvl="0" marL="0" rtl="0" algn="just">
+              <a:spcBef>
+                <a:spcPts val="0"/>
+              </a:spcBef>
+              <a:spcAft>
+                <a:spcPts val="0"/>
+              </a:spcAft>
+              <a:buClr>
+                <a:schemeClr val="dk1"/>
+              </a:buClr>
+              <a:buSzPts val="1100"/>
+              <a:buFont typeface="Arial"/>
+              <a:buNone/>
+            </a:pPr>
+            <a:r>
+              <a:rPr lang="pt-BR" sz="1200">
+                <a:solidFill>
+                  <a:schemeClr val="dk1"/>
+                </a:solidFill>
+              </a:rPr>
+              <a:t>SAMMET, Jean E. </a:t>
+            </a:r>
+            <a:r>
+              <a:rPr b="1" lang="pt-BR" sz="1200">
+                <a:solidFill>
+                  <a:schemeClr val="dk1"/>
+                </a:solidFill>
+              </a:rPr>
+              <a:t>Programming languages: History and fundamentals</a:t>
+            </a:r>
+            <a:r>
+              <a:rPr lang="pt-BR" sz="1200">
+                <a:solidFill>
+                  <a:schemeClr val="dk1"/>
+                </a:solidFill>
+              </a:rPr>
+              <a:t>. Prentice-Hall, Inc., 1969.</a:t>
+            </a:r>
+            <a:endParaRPr sz="1200">
+              <a:solidFill>
+                <a:schemeClr val="dk1"/>
+              </a:solidFill>
+            </a:endParaRPr>
+          </a:p>
+          <a:p>
+            <a:pPr indent="0" lvl="0" marL="0" rtl="0" algn="just">
+              <a:spcBef>
+                <a:spcPts val="0"/>
+              </a:spcBef>
+              <a:spcAft>
+                <a:spcPts val="0"/>
+              </a:spcAft>
+              <a:buClr>
+                <a:schemeClr val="dk1"/>
+              </a:buClr>
+              <a:buSzPts val="1100"/>
+              <a:buFont typeface="Arial"/>
+              <a:buNone/>
+            </a:pPr>
+            <a:r>
+              <a:t/>
+            </a:r>
+            <a:endParaRPr sz="1200">
+              <a:solidFill>
+                <a:schemeClr val="dk1"/>
+              </a:solidFill>
+            </a:endParaRPr>
+          </a:p>
+          <a:p>
+            <a:pPr indent="0" lvl="0" marL="0" rtl="0" algn="just">
+              <a:spcBef>
+                <a:spcPts val="0"/>
+              </a:spcBef>
+              <a:spcAft>
+                <a:spcPts val="0"/>
+              </a:spcAft>
+              <a:buClr>
+                <a:schemeClr val="dk1"/>
+              </a:buClr>
+              <a:buSzPts val="1100"/>
+              <a:buFont typeface="Arial"/>
+              <a:buNone/>
+            </a:pPr>
+            <a:r>
+              <a:rPr lang="pt-BR" sz="1200">
+                <a:solidFill>
+                  <a:schemeClr val="dk1"/>
+                </a:solidFill>
+                <a:highlight>
+                  <a:srgbClr val="FFFFFF"/>
+                </a:highlight>
+              </a:rPr>
+              <a:t>AHO, A. V.; LAM, M. S.; SETHI, R.; ULLMAN, J. D. </a:t>
+            </a:r>
+            <a:r>
+              <a:rPr b="1" lang="pt-BR" sz="1200">
+                <a:solidFill>
+                  <a:schemeClr val="dk1"/>
+                </a:solidFill>
+                <a:highlight>
+                  <a:srgbClr val="FFFFFF"/>
+                </a:highlight>
+              </a:rPr>
+              <a:t>Compilers: principles, techniques, &amp; tools</a:t>
+            </a:r>
+            <a:r>
+              <a:rPr lang="pt-BR" sz="1200">
+                <a:solidFill>
+                  <a:schemeClr val="dk1"/>
+                </a:solidFill>
+                <a:highlight>
+                  <a:srgbClr val="FFFFFF"/>
+                </a:highlight>
+              </a:rPr>
+              <a:t>. Pearson Education India, 2007.</a:t>
+            </a:r>
+            <a:endParaRPr sz="1200">
+              <a:solidFill>
+                <a:schemeClr val="dk1"/>
+              </a:solidFill>
+            </a:endParaRPr>
+          </a:p>
+        </p:txBody>
+      </p:sp>
+    </p:spTree>
+  </p:cSld>
+  <p:clrMapOvr>
+    <a:masterClrMapping/>
+  </p:clrMapOvr>
+</p:sld>
+</file>
+
 <file path=ppt/slides/slide2.xml><?xml version="1.0" encoding="utf-8"?>
 <p:sld xmlns:a="http://schemas.openxmlformats.org/drawingml/2006/main" xmlns:r="http://schemas.openxmlformats.org/officeDocument/2006/relationships" xmlns:mc="http://schemas.openxmlformats.org/markup-compatibility/2006" xmlns:mv="urn:schemas-microsoft-com:mac:vml" xmlns:p="http://schemas.openxmlformats.org/presentationml/2006/main" xmlns:c="http://schemas.openxmlformats.org/drawingml/2006/chart" xmlns:dgm="http://schemas.openxmlformats.org/drawingml/2006/diagram" xmlns:o="urn:schemas-microsoft-com:office:office" xmlns:v="urn:schemas-microsoft-com:vml" xmlns:pvml="urn:schemas-microsoft-com:office:powerpoint" xmlns:com="http://schemas.openxmlformats.org/drawingml/2006/compatibility" xmlns:p14="http://schemas.microsoft.com/office/powerpoint/2010/main" xmlns:p15="http://schemas.microsoft.com/office/powerpoint/2012/main" xmlns:ahyp="http://schemas.microsoft.com/office/drawing/2018/hyperlinkcolor">
   <p:cSld>
@@ -9448,9 +10425,179 @@
               <a:buChar char="●"/>
             </a:pPr>
             <a:r>
-              <a:t/>
+              <a:rPr lang="pt-BR"/>
+              <a:t>Conjunto de </a:t>
+            </a:r>
+            <a:r>
+              <a:rPr lang="pt-BR"/>
+              <a:t>caracteres</a:t>
+            </a:r>
+            <a:r>
+              <a:rPr lang="pt-BR"/>
+              <a:t> com regras de execução (Sammet, 1969).</a:t>
             </a:r>
             <a:endParaRPr/>
+          </a:p>
+          <a:p>
+            <a:pPr indent="-317500" lvl="0" marL="457200" rtl="0" algn="l">
+              <a:lnSpc>
+                <a:spcPct val="150000"/>
+              </a:lnSpc>
+              <a:spcBef>
+                <a:spcPts val="0"/>
+              </a:spcBef>
+              <a:spcAft>
+                <a:spcPts val="0"/>
+              </a:spcAft>
+              <a:buSzPts val="1400"/>
+              <a:buChar char="●"/>
+            </a:pPr>
+            <a:r>
+              <a:rPr lang="pt-BR"/>
+              <a:t>Abstração da linguagem de máquina.</a:t>
+            </a:r>
+            <a:endParaRPr/>
+          </a:p>
+          <a:p>
+            <a:pPr indent="-317500" lvl="0" marL="457200" rtl="0" algn="l">
+              <a:lnSpc>
+                <a:spcPct val="150000"/>
+              </a:lnSpc>
+              <a:spcBef>
+                <a:spcPts val="0"/>
+              </a:spcBef>
+              <a:spcAft>
+                <a:spcPts val="0"/>
+              </a:spcAft>
+              <a:buSzPts val="1400"/>
+              <a:buChar char="●"/>
+            </a:pPr>
+            <a:r>
+              <a:rPr lang="pt-BR"/>
+              <a:t>Sintaxe: Combinações de símbolos e estrutura.</a:t>
+            </a:r>
+            <a:endParaRPr/>
+          </a:p>
+          <a:p>
+            <a:pPr indent="-317500" lvl="0" marL="457200" rtl="0" algn="l">
+              <a:lnSpc>
+                <a:spcPct val="150000"/>
+              </a:lnSpc>
+              <a:spcBef>
+                <a:spcPts val="0"/>
+              </a:spcBef>
+              <a:spcAft>
+                <a:spcPts val="0"/>
+              </a:spcAft>
+              <a:buSzPts val="1400"/>
+              <a:buChar char="●"/>
+            </a:pPr>
+            <a:r>
+              <a:rPr lang="pt-BR"/>
+              <a:t>Semântica:</a:t>
+            </a:r>
+            <a:r>
+              <a:rPr lang="pt-BR"/>
+              <a:t> Significado dos comandos da linguagem.</a:t>
+            </a:r>
+            <a:endParaRPr/>
+          </a:p>
+          <a:p>
+            <a:pPr indent="-317500" lvl="0" marL="457200" rtl="0" algn="l">
+              <a:lnSpc>
+                <a:spcPct val="150000"/>
+              </a:lnSpc>
+              <a:spcBef>
+                <a:spcPts val="0"/>
+              </a:spcBef>
+              <a:spcAft>
+                <a:spcPts val="0"/>
+              </a:spcAft>
+              <a:buSzPts val="1400"/>
+              <a:buChar char="●"/>
+            </a:pPr>
+            <a:r>
+              <a:rPr lang="pt-BR"/>
+              <a:t>Pragmática: Utilidade, escopo de aplicação e seus efeitos.</a:t>
+            </a:r>
+            <a:endParaRPr/>
+          </a:p>
+        </p:txBody>
+      </p:sp>
+      <p:pic>
+        <p:nvPicPr>
+          <p:cNvPr id="107" name="Google Shape;107;p20"/>
+          <p:cNvPicPr preferRelativeResize="0"/>
+          <p:nvPr/>
+        </p:nvPicPr>
+        <p:blipFill>
+          <a:blip r:embed="rId3">
+            <a:alphaModFix/>
+          </a:blip>
+          <a:stretch>
+            <a:fillRect/>
+          </a:stretch>
+        </p:blipFill>
+        <p:spPr>
+          <a:xfrm>
+            <a:off x="5222675" y="3841025"/>
+            <a:ext cx="4742325" cy="1786200"/>
+          </a:xfrm>
+          <a:prstGeom prst="rect">
+            <a:avLst/>
+          </a:prstGeom>
+          <a:noFill/>
+          <a:ln>
+            <a:noFill/>
+          </a:ln>
+          <a:effectLst>
+            <a:outerShdw blurRad="114300" rotWithShape="0" algn="bl" dir="1260000" dist="28575">
+              <a:srgbClr val="000000">
+                <a:alpha val="67000"/>
+              </a:srgbClr>
+            </a:outerShdw>
+          </a:effectLst>
+        </p:spPr>
+      </p:pic>
+      <p:sp>
+        <p:nvSpPr>
+          <p:cNvPr id="108" name="Google Shape;108;p20"/>
+          <p:cNvSpPr txBox="1"/>
+          <p:nvPr/>
+        </p:nvSpPr>
+        <p:spPr>
+          <a:xfrm>
+            <a:off x="3964250" y="5372975"/>
+            <a:ext cx="4010100" cy="338700"/>
+          </a:xfrm>
+          <a:prstGeom prst="rect">
+            <a:avLst/>
+          </a:prstGeom>
+          <a:noFill/>
+          <a:ln>
+            <a:noFill/>
+          </a:ln>
+        </p:spPr>
+        <p:txBody>
+          <a:bodyPr anchorCtr="0" anchor="t" bIns="91425" lIns="91425" spcFirstLastPara="1" rIns="91425" wrap="square" tIns="91425">
+            <a:spAutoFit/>
+          </a:bodyPr>
+          <a:lstStyle/>
+          <a:p>
+            <a:pPr indent="0" lvl="0" marL="0" rtl="0" algn="l">
+              <a:spcBef>
+                <a:spcPts val="0"/>
+              </a:spcBef>
+              <a:spcAft>
+                <a:spcPts val="0"/>
+              </a:spcAft>
+              <a:buNone/>
+            </a:pPr>
+            <a:r>
+              <a:rPr lang="pt-BR" sz="1000"/>
+              <a:t>Fonte: Elaboração própria (2022).</a:t>
+            </a:r>
+            <a:endParaRPr sz="1000"/>
           </a:p>
         </p:txBody>
       </p:sp>
@@ -9467,7 +10614,7 @@
   <p:cSld>
     <p:spTree>
       <p:nvGrpSpPr>
-        <p:cNvPr id="110" name="Shape 110"/>
+        <p:cNvPr id="112" name="Shape 112"/>
         <p:cNvGrpSpPr/>
         <p:nvPr/>
       </p:nvGrpSpPr>
@@ -9481,7 +10628,7 @@
       </p:grpSpPr>
       <p:sp>
         <p:nvSpPr>
-          <p:cNvPr id="111" name="Google Shape;111;p21"/>
+          <p:cNvPr id="113" name="Google Shape;113;p21"/>
           <p:cNvSpPr txBox="1"/>
           <p:nvPr>
             <p:ph type="title"/>
@@ -9517,7 +10664,7 @@
                   <a:srgbClr val="45982F"/>
                 </a:solidFill>
               </a:rPr>
-              <a:t>Referências</a:t>
+              <a:t>Sintaxe</a:t>
             </a:r>
             <a:endParaRPr sz="2500"/>
           </a:p>
@@ -9525,7 +10672,7 @@
       </p:sp>
       <p:sp>
         <p:nvSpPr>
-          <p:cNvPr id="112" name="Google Shape;112;p21"/>
+          <p:cNvPr id="114" name="Google Shape;114;p21"/>
           <p:cNvSpPr txBox="1"/>
           <p:nvPr>
             <p:ph idx="1" type="body"/>
@@ -9534,7 +10681,7 @@
         <p:spPr>
           <a:xfrm>
             <a:off x="360000" y="1944000"/>
-            <a:ext cx="9327000" cy="3220500"/>
+            <a:ext cx="9216000" cy="3220500"/>
           </a:xfrm>
           <a:prstGeom prst="rect">
             <a:avLst/>
@@ -9546,9 +10693,9 @@
           </a:bodyPr>
           <a:lstStyle/>
           <a:p>
-            <a:pPr indent="0" lvl="0" marL="0" rtl="0" algn="just">
+            <a:pPr indent="-317500" lvl="0" marL="457200" rtl="0" algn="l">
               <a:lnSpc>
-                <a:spcPct val="100000"/>
+                <a:spcPct val="150000"/>
               </a:lnSpc>
               <a:spcBef>
                 <a:spcPts val="0"/>
@@ -9556,71 +10703,541 @@
               <a:spcAft>
                 <a:spcPts val="0"/>
               </a:spcAft>
-              <a:buNone/>
+              <a:buSzPts val="1400"/>
+              <a:buChar char="●"/>
             </a:pPr>
             <a:r>
-              <a:rPr lang="pt-BR" sz="1200">
-                <a:solidFill>
-                  <a:srgbClr val="222222"/>
-                </a:solidFill>
-                <a:highlight>
-                  <a:srgbClr val="FFFFFF"/>
-                </a:highlight>
-                <a:latin typeface="Roboto"/>
-                <a:ea typeface="Roboto"/>
-                <a:cs typeface="Roboto"/>
-                <a:sym typeface="Roboto"/>
-              </a:rPr>
-              <a:t>ZION RESEARCH ANALYSIS. </a:t>
+              <a:rPr lang="pt-BR"/>
+              <a:t>D</a:t>
             </a:r>
             <a:r>
-              <a:rPr b="1" lang="pt-BR" sz="1200">
-                <a:solidFill>
-                  <a:srgbClr val="222222"/>
-                </a:solidFill>
-                <a:highlight>
-                  <a:srgbClr val="FFFFFF"/>
-                </a:highlight>
-                <a:latin typeface="Roboto"/>
-                <a:ea typeface="Roboto"/>
-                <a:cs typeface="Roboto"/>
-                <a:sym typeface="Roboto"/>
-              </a:rPr>
-              <a:t>Embedded Systems Market - Global Industry Analysis</a:t>
+              <a:rPr lang="pt-BR"/>
+              <a:t>efine regras de escrita e delimita a utilização dos símbolos.</a:t>
+            </a:r>
+            <a:endParaRPr/>
+          </a:p>
+          <a:p>
+            <a:pPr indent="-317500" lvl="0" marL="457200" rtl="0" algn="l">
+              <a:lnSpc>
+                <a:spcPct val="150000"/>
+              </a:lnSpc>
+              <a:spcBef>
+                <a:spcPts val="0"/>
+              </a:spcBef>
+              <a:spcAft>
+                <a:spcPts val="0"/>
+              </a:spcAft>
+              <a:buSzPts val="1400"/>
+              <a:buChar char="●"/>
+            </a:pPr>
+            <a:r>
+              <a:rPr lang="pt-BR"/>
+              <a:t>Erros de sintaxe:</a:t>
+            </a:r>
+            <a:endParaRPr/>
+          </a:p>
+          <a:p>
+            <a:pPr indent="-304800" lvl="1" marL="914400" rtl="0" algn="l">
+              <a:lnSpc>
+                <a:spcPct val="150000"/>
+              </a:lnSpc>
+              <a:spcBef>
+                <a:spcPts val="0"/>
+              </a:spcBef>
+              <a:spcAft>
+                <a:spcPts val="0"/>
+              </a:spcAft>
+              <a:buSzPts val="1200"/>
+              <a:buChar char="○"/>
+            </a:pPr>
+            <a:r>
+              <a:rPr lang="pt-BR" sz="1600"/>
+              <a:t>Erros lexicais: E</a:t>
             </a:r>
             <a:r>
-              <a:rPr lang="pt-BR" sz="1200">
+              <a:rPr lang="pt-BR" sz="1600"/>
+              <a:t>rros ortográficos de lexemas</a:t>
+            </a:r>
+            <a:r>
+              <a:rPr lang="pt-BR" sz="1600"/>
+              <a:t>.</a:t>
+            </a:r>
+            <a:endParaRPr sz="1600"/>
+          </a:p>
+          <a:p>
+            <a:pPr indent="-304800" lvl="1" marL="914400" rtl="0" algn="l">
+              <a:lnSpc>
+                <a:spcPct val="150000"/>
+              </a:lnSpc>
+              <a:spcBef>
+                <a:spcPts val="0"/>
+              </a:spcBef>
+              <a:spcAft>
+                <a:spcPts val="0"/>
+              </a:spcAft>
+              <a:buSzPts val="1200"/>
+              <a:buChar char="○"/>
+            </a:pPr>
+            <a:r>
+              <a:rPr lang="pt-BR" sz="1600"/>
+              <a:t>Erros sintáticos: Erros de separadores e escopo.</a:t>
+            </a:r>
+            <a:endParaRPr sz="1600"/>
+          </a:p>
+          <a:p>
+            <a:pPr indent="-304800" lvl="1" marL="914400" rtl="0" algn="l">
+              <a:lnSpc>
+                <a:spcPct val="150000"/>
+              </a:lnSpc>
+              <a:spcBef>
+                <a:spcPts val="0"/>
+              </a:spcBef>
+              <a:spcAft>
+                <a:spcPts val="0"/>
+              </a:spcAft>
+              <a:buSzPts val="1200"/>
+              <a:buChar char="○"/>
+            </a:pPr>
+            <a:r>
+              <a:rPr lang="pt-BR" sz="1600"/>
+              <a:t>Erros semânticos: Incompatibilidades de tipo entre operadores.</a:t>
+            </a:r>
+            <a:endParaRPr sz="1600"/>
+          </a:p>
+          <a:p>
+            <a:pPr indent="-304800" lvl="1" marL="914400" rtl="0" algn="l">
+              <a:lnSpc>
+                <a:spcPct val="150000"/>
+              </a:lnSpc>
+              <a:spcBef>
+                <a:spcPts val="0"/>
+              </a:spcBef>
+              <a:spcAft>
+                <a:spcPts val="0"/>
+              </a:spcAft>
+              <a:buSzPts val="1200"/>
+              <a:buChar char="○"/>
+            </a:pPr>
+            <a:r>
+              <a:rPr lang="pt-BR" sz="1600"/>
+              <a:t>Erros lógicos: Operadores utilizados de maneira indevida.</a:t>
+            </a:r>
+            <a:endParaRPr sz="1600"/>
+          </a:p>
+        </p:txBody>
+      </p:sp>
+      <p:graphicFrame>
+        <p:nvGraphicFramePr>
+          <p:cNvPr id="115" name="Google Shape;115;p21"/>
+          <p:cNvGraphicFramePr/>
+          <p:nvPr/>
+        </p:nvGraphicFramePr>
+        <p:xfrm>
+          <a:off x="7131925" y="2590425"/>
+          <a:ext cx="3000000" cy="3000000"/>
+        </p:xfrm>
+        <a:graphic>
+          <a:graphicData uri="http://schemas.openxmlformats.org/drawingml/2006/table">
+            <a:tbl>
+              <a:tblPr bandRow="1">
+                <a:noFill/>
+                <a:tableStyleId>{CD12DEEA-8704-44CE-8D61-7A6D1C8A6C75}</a:tableStyleId>
+              </a:tblPr>
+              <a:tblGrid>
+                <a:gridCol w="1184975"/>
+                <a:gridCol w="1414400"/>
+              </a:tblGrid>
+              <a:tr h="298225">
+                <a:tc>
+                  <a:txBody>
+                    <a:bodyPr/>
+                    <a:lstStyle/>
+                    <a:p>
+                      <a:pPr indent="0" lvl="0" marL="0" rtl="0" algn="ctr">
+                        <a:spcBef>
+                          <a:spcPts val="0"/>
+                        </a:spcBef>
+                        <a:spcAft>
+                          <a:spcPts val="0"/>
+                        </a:spcAft>
+                        <a:buNone/>
+                      </a:pPr>
+                      <a:r>
+                        <a:rPr b="1" lang="pt-BR" sz="1100"/>
+                        <a:t>Símbolos</a:t>
+                      </a:r>
+                      <a:endParaRPr b="1" sz="1100"/>
+                    </a:p>
+                  </a:txBody>
+                  <a:tcPr marT="0" marB="0" marR="68575" marL="68575" anchor="ctr"/>
+                </a:tc>
+                <a:tc>
+                  <a:txBody>
+                    <a:bodyPr/>
+                    <a:lstStyle/>
+                    <a:p>
+                      <a:pPr indent="0" lvl="0" marL="0" rtl="0" algn="ctr">
+                        <a:spcBef>
+                          <a:spcPts val="0"/>
+                        </a:spcBef>
+                        <a:spcAft>
+                          <a:spcPts val="0"/>
+                        </a:spcAft>
+                        <a:buNone/>
+                      </a:pPr>
+                      <a:r>
+                        <a:rPr b="1" lang="pt-BR" sz="1100"/>
+                        <a:t>Lexemas</a:t>
+                      </a:r>
+                      <a:endParaRPr b="1" sz="1100"/>
+                    </a:p>
+                  </a:txBody>
+                  <a:tcPr marT="0" marB="0" marR="68575" marL="68575" anchor="ctr"/>
+                </a:tc>
+              </a:tr>
+              <a:tr h="366400">
+                <a:tc>
+                  <a:txBody>
+                    <a:bodyPr/>
+                    <a:lstStyle/>
+                    <a:p>
+                      <a:pPr indent="0" lvl="0" marL="0" rtl="0" algn="ctr">
+                        <a:spcBef>
+                          <a:spcPts val="0"/>
+                        </a:spcBef>
+                        <a:spcAft>
+                          <a:spcPts val="0"/>
+                        </a:spcAft>
+                        <a:buNone/>
+                      </a:pPr>
+                      <a:r>
+                        <a:rPr lang="pt-BR" sz="1100"/>
+                        <a:t>Palavras-chave</a:t>
+                      </a:r>
+                      <a:endParaRPr sz="1100"/>
+                    </a:p>
+                  </a:txBody>
+                  <a:tcPr marT="0" marB="0" marR="68575" marL="68575" anchor="ctr"/>
+                </a:tc>
+                <a:tc>
+                  <a:txBody>
+                    <a:bodyPr/>
+                    <a:lstStyle/>
+                    <a:p>
+                      <a:pPr indent="0" lvl="0" marL="0" rtl="0" algn="ctr">
+                        <a:spcBef>
+                          <a:spcPts val="0"/>
+                        </a:spcBef>
+                        <a:spcAft>
+                          <a:spcPts val="0"/>
+                        </a:spcAft>
+                        <a:buNone/>
+                      </a:pPr>
+                      <a:r>
+                        <a:rPr lang="pt-BR" sz="1100"/>
+                        <a:t>if, while, for, int, float</a:t>
+                      </a:r>
+                      <a:endParaRPr sz="1100"/>
+                    </a:p>
+                  </a:txBody>
+                  <a:tcPr marT="0" marB="0" marR="68575" marL="68575" anchor="ctr"/>
+                </a:tc>
+              </a:tr>
+              <a:tr h="298225">
+                <a:tc>
+                  <a:txBody>
+                    <a:bodyPr/>
+                    <a:lstStyle/>
+                    <a:p>
+                      <a:pPr indent="0" lvl="0" marL="0" rtl="0" algn="ctr">
+                        <a:spcBef>
+                          <a:spcPts val="0"/>
+                        </a:spcBef>
+                        <a:spcAft>
+                          <a:spcPts val="0"/>
+                        </a:spcAft>
+                        <a:buNone/>
+                      </a:pPr>
+                      <a:r>
+                        <a:rPr lang="pt-BR" sz="1100"/>
+                        <a:t>Separadores</a:t>
+                      </a:r>
+                      <a:endParaRPr sz="1100"/>
+                    </a:p>
+                  </a:txBody>
+                  <a:tcPr marT="0" marB="0" marR="68575" marL="68575" anchor="ctr"/>
+                </a:tc>
+                <a:tc>
+                  <a:txBody>
+                    <a:bodyPr/>
+                    <a:lstStyle/>
+                    <a:p>
+                      <a:pPr indent="0" lvl="0" marL="0" rtl="0" algn="ctr">
+                        <a:spcBef>
+                          <a:spcPts val="0"/>
+                        </a:spcBef>
+                        <a:spcAft>
+                          <a:spcPts val="0"/>
+                        </a:spcAft>
+                        <a:buNone/>
+                      </a:pPr>
+                      <a:r>
+                        <a:rPr lang="pt-BR" sz="1100"/>
+                        <a:t>{ } ( ) ; : [ ]</a:t>
+                      </a:r>
+                      <a:endParaRPr sz="1100"/>
+                    </a:p>
+                  </a:txBody>
+                  <a:tcPr marT="0" marB="0" marR="68575" marL="68575" anchor="ctr"/>
+                </a:tc>
+              </a:tr>
+              <a:tr h="298225">
+                <a:tc>
+                  <a:txBody>
+                    <a:bodyPr/>
+                    <a:lstStyle/>
+                    <a:p>
+                      <a:pPr indent="0" lvl="0" marL="0" rtl="0" algn="ctr">
+                        <a:spcBef>
+                          <a:spcPts val="0"/>
+                        </a:spcBef>
+                        <a:spcAft>
+                          <a:spcPts val="0"/>
+                        </a:spcAft>
+                        <a:buNone/>
+                      </a:pPr>
+                      <a:r>
+                        <a:rPr lang="pt-BR" sz="1100"/>
+                        <a:t>Operadores</a:t>
+                      </a:r>
+                      <a:endParaRPr sz="1100"/>
+                    </a:p>
+                  </a:txBody>
+                  <a:tcPr marT="0" marB="0" marR="68575" marL="68575" anchor="ctr"/>
+                </a:tc>
+                <a:tc>
+                  <a:txBody>
+                    <a:bodyPr/>
+                    <a:lstStyle/>
+                    <a:p>
+                      <a:pPr indent="0" lvl="0" marL="0" rtl="0" algn="ctr">
+                        <a:spcBef>
+                          <a:spcPts val="0"/>
+                        </a:spcBef>
+                        <a:spcAft>
+                          <a:spcPts val="0"/>
+                        </a:spcAft>
+                        <a:buNone/>
+                      </a:pPr>
+                      <a:r>
+                        <a:rPr lang="pt-BR" sz="1100"/>
+                        <a:t>/ * - + = &lt; &gt; </a:t>
+                      </a:r>
+                      <a:endParaRPr sz="1100"/>
+                    </a:p>
+                  </a:txBody>
+                  <a:tcPr marT="0" marB="0" marR="68575" marL="68575" anchor="ctr"/>
+                </a:tc>
+              </a:tr>
+              <a:tr h="298225">
+                <a:tc>
+                  <a:txBody>
+                    <a:bodyPr/>
+                    <a:lstStyle/>
+                    <a:p>
+                      <a:pPr indent="0" lvl="0" marL="0" rtl="0" algn="ctr">
+                        <a:spcBef>
+                          <a:spcPts val="0"/>
+                        </a:spcBef>
+                        <a:spcAft>
+                          <a:spcPts val="0"/>
+                        </a:spcAft>
+                        <a:buNone/>
+                      </a:pPr>
+                      <a:r>
+                        <a:rPr lang="pt-BR" sz="1100"/>
+                        <a:t>Identificadores</a:t>
+                      </a:r>
+                      <a:endParaRPr sz="1100"/>
+                    </a:p>
+                  </a:txBody>
+                  <a:tcPr marT="0" marB="0" marR="68575" marL="68575" anchor="ctr"/>
+                </a:tc>
+                <a:tc>
+                  <a:txBody>
+                    <a:bodyPr/>
+                    <a:lstStyle/>
+                    <a:p>
+                      <a:pPr indent="0" lvl="0" marL="0" rtl="0" algn="ctr">
+                        <a:spcBef>
+                          <a:spcPts val="0"/>
+                        </a:spcBef>
+                        <a:spcAft>
+                          <a:spcPts val="0"/>
+                        </a:spcAft>
+                        <a:buNone/>
+                      </a:pPr>
+                      <a:r>
+                        <a:rPr lang="pt-BR" sz="1100"/>
+                        <a:t>x, nota, pi, D2</a:t>
+                      </a:r>
+                      <a:endParaRPr sz="1100"/>
+                    </a:p>
+                  </a:txBody>
+                  <a:tcPr marT="0" marB="0" marR="68575" marL="68575" anchor="ctr"/>
+                </a:tc>
+              </a:tr>
+              <a:tr h="298225">
+                <a:tc>
+                  <a:txBody>
+                    <a:bodyPr/>
+                    <a:lstStyle/>
+                    <a:p>
+                      <a:pPr indent="0" lvl="0" marL="0" rtl="0" algn="ctr">
+                        <a:spcBef>
+                          <a:spcPts val="0"/>
+                        </a:spcBef>
+                        <a:spcAft>
+                          <a:spcPts val="0"/>
+                        </a:spcAft>
+                        <a:buNone/>
+                      </a:pPr>
+                      <a:r>
+                        <a:rPr lang="pt-BR" sz="1100"/>
+                        <a:t>Literais</a:t>
+                      </a:r>
+                      <a:endParaRPr sz="1100"/>
+                    </a:p>
+                  </a:txBody>
+                  <a:tcPr marT="0" marB="0" marR="68575" marL="68575" anchor="ctr"/>
+                </a:tc>
+                <a:tc>
+                  <a:txBody>
+                    <a:bodyPr/>
+                    <a:lstStyle/>
+                    <a:p>
+                      <a:pPr indent="0" lvl="0" marL="0" rtl="0" algn="ctr">
+                        <a:spcBef>
+                          <a:spcPts val="0"/>
+                        </a:spcBef>
+                        <a:spcAft>
+                          <a:spcPts val="0"/>
+                        </a:spcAft>
+                        <a:buNone/>
+                      </a:pPr>
+                      <a:r>
+                        <a:rPr lang="pt-BR" sz="1100"/>
+                        <a:t>true, "musica", 100</a:t>
+                      </a:r>
+                      <a:endParaRPr sz="1100"/>
+                    </a:p>
+                  </a:txBody>
+                  <a:tcPr marT="0" marB="0" marR="68575" marL="68575" anchor="ctr"/>
+                </a:tc>
+              </a:tr>
+            </a:tbl>
+          </a:graphicData>
+        </a:graphic>
+      </p:graphicFrame>
+      <p:sp>
+        <p:nvSpPr>
+          <p:cNvPr id="116" name="Google Shape;116;p21"/>
+          <p:cNvSpPr txBox="1"/>
+          <p:nvPr/>
+        </p:nvSpPr>
+        <p:spPr>
+          <a:xfrm>
+            <a:off x="7131925" y="4505750"/>
+            <a:ext cx="2376300" cy="338700"/>
+          </a:xfrm>
+          <a:prstGeom prst="rect">
+            <a:avLst/>
+          </a:prstGeom>
+          <a:noFill/>
+          <a:ln>
+            <a:noFill/>
+          </a:ln>
+        </p:spPr>
+        <p:txBody>
+          <a:bodyPr anchorCtr="0" anchor="t" bIns="91425" lIns="91425" spcFirstLastPara="1" rIns="91425" wrap="square" tIns="91425">
+            <a:spAutoFit/>
+          </a:bodyPr>
+          <a:lstStyle/>
+          <a:p>
+            <a:pPr indent="0" lvl="0" marL="0" rtl="0" algn="l">
+              <a:spcBef>
+                <a:spcPts val="600"/>
+              </a:spcBef>
+              <a:spcAft>
+                <a:spcPts val="1200"/>
+              </a:spcAft>
+              <a:buNone/>
+            </a:pPr>
+            <a:r>
+              <a:rPr lang="pt-BR" sz="1000">
                 <a:solidFill>
-                  <a:srgbClr val="222222"/>
+                  <a:schemeClr val="dk1"/>
                 </a:solidFill>
-                <a:highlight>
-                  <a:srgbClr val="FFFFFF"/>
-                </a:highlight>
-                <a:latin typeface="Roboto"/>
-                <a:ea typeface="Roboto"/>
-                <a:cs typeface="Roboto"/>
-                <a:sym typeface="Roboto"/>
               </a:rPr>
-              <a:t>. Disponível em: https://www.zionmarketresearch.com/report/embedded-systems-market. Acesso em: 14 dez. 2022.</a:t>
+              <a:t>Fonte: Adaptado de Aho et al. (2007).</a:t>
             </a:r>
             <a:endParaRPr sz="1200">
               <a:solidFill>
-                <a:srgbClr val="222222"/>
+                <a:schemeClr val="dk1"/>
               </a:solidFill>
-              <a:highlight>
-                <a:srgbClr val="FFFFFF"/>
-              </a:highlight>
-              <a:latin typeface="Roboto"/>
-              <a:ea typeface="Roboto"/>
-              <a:cs typeface="Roboto"/>
-              <a:sym typeface="Roboto"/>
             </a:endParaRPr>
           </a:p>
+        </p:txBody>
+      </p:sp>
+    </p:spTree>
+  </p:cSld>
+  <p:clrMapOvr>
+    <a:masterClrMapping/>
+  </p:clrMapOvr>
+</p:sld>
+</file>
+
+<file path=ppt/slides/slide9.xml><?xml version="1.0" encoding="utf-8"?>
+<p:sld xmlns:a="http://schemas.openxmlformats.org/drawingml/2006/main" xmlns:r="http://schemas.openxmlformats.org/officeDocument/2006/relationships" xmlns:mc="http://schemas.openxmlformats.org/markup-compatibility/2006" xmlns:mv="urn:schemas-microsoft-com:mac:vml" xmlns:p="http://schemas.openxmlformats.org/presentationml/2006/main" xmlns:c="http://schemas.openxmlformats.org/drawingml/2006/chart" xmlns:dgm="http://schemas.openxmlformats.org/drawingml/2006/diagram" xmlns:o="urn:schemas-microsoft-com:office:office" xmlns:v="urn:schemas-microsoft-com:vml" xmlns:pvml="urn:schemas-microsoft-com:office:powerpoint" xmlns:com="http://schemas.openxmlformats.org/drawingml/2006/compatibility" xmlns:p14="http://schemas.microsoft.com/office/powerpoint/2010/main" xmlns:p15="http://schemas.microsoft.com/office/powerpoint/2012/main" xmlns:ahyp="http://schemas.microsoft.com/office/drawing/2018/hyperlinkcolor">
+  <p:cSld>
+    <p:spTree>
+      <p:nvGrpSpPr>
+        <p:cNvPr id="120" name="Shape 120"/>
+        <p:cNvGrpSpPr/>
+        <p:nvPr/>
+      </p:nvGrpSpPr>
+      <p:grpSpPr>
+        <a:xfrm>
+          <a:off x="0" y="0"/>
+          <a:ext cx="0" cy="0"/>
+          <a:chOff x="0" y="0"/>
+          <a:chExt cx="0" cy="0"/>
+        </a:xfrm>
+      </p:grpSpPr>
+      <p:sp>
+        <p:nvSpPr>
+          <p:cNvPr id="121" name="Google Shape;121;p22"/>
+          <p:cNvSpPr txBox="1"/>
+          <p:nvPr>
+            <p:ph type="title"/>
+          </p:nvPr>
+        </p:nvSpPr>
+        <p:spPr>
+          <a:xfrm>
+            <a:off x="1584300" y="942975"/>
+            <a:ext cx="7991700" cy="457200"/>
+          </a:xfrm>
+          <a:prstGeom prst="rect">
+            <a:avLst/>
+          </a:prstGeom>
+        </p:spPr>
+        <p:txBody>
+          <a:bodyPr anchorCtr="0" anchor="ctr" bIns="0" lIns="0" spcFirstLastPara="1" rIns="0" wrap="square" tIns="0">
+            <a:noAutofit/>
+          </a:bodyPr>
+          <a:lstStyle/>
           <a:p>
-            <a:pPr indent="0" lvl="0" marL="0" rtl="0" algn="just">
-              <a:lnSpc>
-                <a:spcPct val="100000"/>
-              </a:lnSpc>
+            <a:pPr indent="0" lvl="0" marL="0" rtl="0" algn="l">
               <a:spcBef>
                 <a:spcPts val="0"/>
               </a:spcBef>
@@ -9630,25 +11247,67 @@
               <a:buNone/>
             </a:pPr>
             <a:r>
-              <a:t/>
+              <a:rPr b="1" lang="pt-BR" sz="3200">
+                <a:solidFill>
+                  <a:srgbClr val="45982F"/>
+                </a:solidFill>
+              </a:rPr>
+              <a:t>Compiladores e Interpretadores</a:t>
             </a:r>
-            <a:endParaRPr sz="1200">
-              <a:solidFill>
-                <a:srgbClr val="222222"/>
-              </a:solidFill>
-              <a:highlight>
-                <a:srgbClr val="FFFFFF"/>
-              </a:highlight>
-              <a:latin typeface="Roboto"/>
-              <a:ea typeface="Roboto"/>
-              <a:cs typeface="Roboto"/>
-              <a:sym typeface="Roboto"/>
-            </a:endParaRPr>
+            <a:endParaRPr sz="2500"/>
+          </a:p>
+        </p:txBody>
+      </p:sp>
+      <p:sp>
+        <p:nvSpPr>
+          <p:cNvPr id="122" name="Google Shape;122;p22"/>
+          <p:cNvSpPr txBox="1"/>
+          <p:nvPr>
+            <p:ph idx="1" type="body"/>
+          </p:nvPr>
+        </p:nvSpPr>
+        <p:spPr>
+          <a:xfrm>
+            <a:off x="360000" y="1944000"/>
+            <a:ext cx="9216000" cy="3220500"/>
+          </a:xfrm>
+          <a:prstGeom prst="rect">
+            <a:avLst/>
+          </a:prstGeom>
+        </p:spPr>
+        <p:txBody>
+          <a:bodyPr anchorCtr="0" anchor="t" bIns="0" lIns="0" spcFirstLastPara="1" rIns="0" wrap="square" tIns="0">
+            <a:noAutofit/>
+          </a:bodyPr>
+          <a:lstStyle/>
+          <a:p>
+            <a:pPr indent="-317500" lvl="0" marL="457200" rtl="0" algn="l">
+              <a:lnSpc>
+                <a:spcPct val="150000"/>
+              </a:lnSpc>
+              <a:spcBef>
+                <a:spcPts val="0"/>
+              </a:spcBef>
+              <a:spcAft>
+                <a:spcPts val="0"/>
+              </a:spcAft>
+              <a:buSzPts val="1400"/>
+              <a:buChar char="●"/>
+            </a:pPr>
+            <a:r>
+              <a:rPr lang="pt-BR"/>
+              <a:t>Linguagens</a:t>
+            </a:r>
+            <a:r>
+              <a:rPr lang="pt-BR"/>
+              <a:t> compiladas.</a:t>
+            </a:r>
+            <a:endParaRPr/>
           </a:p>
           <a:p>
-            <a:pPr indent="0" lvl="0" marL="0" rtl="0" algn="just">
+            <a:pPr indent="-317500" lvl="0" marL="457200" rtl="0" algn="l">
               <a:lnSpc>
-                <a:spcPct val="100000"/>
+                <a:spcPct val="150000"/>
               </a:lnSpc>
               <a:spcBef>
                 <a:spcPts val="0"/>
@@ -9656,70 +11315,50 @@
               <a:spcAft>
                 <a:spcPts val="0"/>
               </a:spcAft>
-              <a:buNone/>
+              <a:buSzPts val="1400"/>
+              <a:buChar char="●"/>
             </a:pPr>
             <a:r>
-              <a:rPr lang="pt-BR" sz="1200">
-                <a:solidFill>
-                  <a:srgbClr val="222222"/>
-                </a:solidFill>
-                <a:highlight>
-                  <a:srgbClr val="FFFFFF"/>
-                </a:highlight>
-                <a:latin typeface="Roboto"/>
-                <a:ea typeface="Roboto"/>
-                <a:cs typeface="Roboto"/>
-                <a:sym typeface="Roboto"/>
-              </a:rPr>
-              <a:t>CABALLAR, Rina Diane. </a:t>
+              <a:rPr lang="pt-BR"/>
+              <a:t>Linguagens Interpretadas.</a:t>
+            </a:r>
+            <a:endParaRPr/>
+          </a:p>
+          <a:p>
+            <a:pPr indent="-317500" lvl="0" marL="457200" rtl="0" algn="l">
+              <a:lnSpc>
+                <a:spcPct val="150000"/>
+              </a:lnSpc>
+              <a:spcBef>
+                <a:spcPts val="0"/>
+              </a:spcBef>
+              <a:spcAft>
+                <a:spcPts val="0"/>
+              </a:spcAft>
+              <a:buSzPts val="1400"/>
+              <a:buChar char="●"/>
+            </a:pPr>
+            <a:r>
+              <a:rPr lang="pt-BR"/>
+              <a:t>M</a:t>
             </a:r>
             <a:r>
-              <a:rPr b="1" lang="pt-BR" sz="1200">
-                <a:solidFill>
-                  <a:srgbClr val="222222"/>
-                </a:solidFill>
-                <a:highlight>
-                  <a:srgbClr val="FFFFFF"/>
-                </a:highlight>
-                <a:latin typeface="Roboto"/>
-                <a:ea typeface="Roboto"/>
-                <a:cs typeface="Roboto"/>
-                <a:sym typeface="Roboto"/>
-              </a:rPr>
-              <a:t>Programming Without Code: the rise of no-code software development</a:t>
+              <a:rPr lang="pt-BR"/>
+              <a:t>icrocontroladores tipicamente utilizam </a:t>
             </a:r>
+            <a:br>
+              <a:rPr lang="pt-BR"/>
+            </a:br>
             <a:r>
-              <a:rPr lang="pt-BR" sz="1200">
-                <a:solidFill>
-                  <a:srgbClr val="222222"/>
-                </a:solidFill>
-                <a:highlight>
-                  <a:srgbClr val="FFFFFF"/>
-                </a:highlight>
-                <a:latin typeface="Roboto"/>
-                <a:ea typeface="Roboto"/>
-                <a:cs typeface="Roboto"/>
-                <a:sym typeface="Roboto"/>
-              </a:rPr>
-              <a:t>. 2020. Disponível em: https://spectrum.ieee.org/programming-without-code-no-code-software-development. Acesso em: 14 out. 2022.</a:t>
+              <a:rPr lang="pt-BR"/>
+              <a:t>linguagens compiladas como C e C++.</a:t>
             </a:r>
-            <a:endParaRPr sz="1200">
-              <a:solidFill>
-                <a:srgbClr val="222222"/>
-              </a:solidFill>
-              <a:highlight>
-                <a:srgbClr val="FFFFFF"/>
-              </a:highlight>
-              <a:latin typeface="Roboto"/>
-              <a:ea typeface="Roboto"/>
-              <a:cs typeface="Roboto"/>
-              <a:sym typeface="Roboto"/>
-            </a:endParaRPr>
+            <a:endParaRPr/>
           </a:p>
           <a:p>
-            <a:pPr indent="0" lvl="0" marL="0" rtl="0" algn="just">
+            <a:pPr indent="-317500" lvl="0" marL="457200" rtl="0" algn="l">
               <a:lnSpc>
-                <a:spcPct val="100000"/>
+                <a:spcPct val="150000"/>
               </a:lnSpc>
               <a:spcBef>
                 <a:spcPts val="0"/>
@@ -9727,84 +11366,104 @@
               <a:spcAft>
                 <a:spcPts val="0"/>
               </a:spcAft>
-              <a:buNone/>
+              <a:buSzPts val="1400"/>
+              <a:buChar char="●"/>
             </a:pPr>
             <a:r>
-              <a:t/>
+              <a:rPr lang="pt-BR"/>
+              <a:t>Implementação de máquinas virtuais.</a:t>
             </a:r>
-            <a:endParaRPr sz="1200">
-              <a:solidFill>
-                <a:srgbClr val="222222"/>
-              </a:solidFill>
-              <a:highlight>
-                <a:srgbClr val="FFFFFF"/>
-              </a:highlight>
-              <a:latin typeface="Roboto"/>
-              <a:ea typeface="Roboto"/>
-              <a:cs typeface="Roboto"/>
-              <a:sym typeface="Roboto"/>
-            </a:endParaRPr>
+            <a:endParaRPr/>
           </a:p>
           <a:p>
-            <a:pPr indent="0" lvl="0" marL="0" rtl="0" algn="l">
-              <a:spcBef>
-                <a:spcPts val="0"/>
-              </a:spcBef>
-              <a:spcAft>
-                <a:spcPts val="0"/>
-              </a:spcAft>
-              <a:buClr>
-                <a:schemeClr val="dk1"/>
-              </a:buClr>
-              <a:buSzPts val="1100"/>
-              <a:buFont typeface="Arial"/>
-              <a:buNone/>
+            <a:pPr indent="-317500" lvl="0" marL="457200" rtl="0" algn="l">
+              <a:lnSpc>
+                <a:spcPct val="150000"/>
+              </a:lnSpc>
+              <a:spcBef>
+                <a:spcPts val="0"/>
+              </a:spcBef>
+              <a:spcAft>
+                <a:spcPts val="0"/>
+              </a:spcAft>
+              <a:buSzPts val="1400"/>
+              <a:buChar char="●"/>
             </a:pPr>
             <a:r>
-              <a:rPr lang="pt-BR" sz="1200">
-                <a:solidFill>
-                  <a:schemeClr val="dk1"/>
-                </a:solidFill>
-                <a:highlight>
-                  <a:srgbClr val="FFFFFF"/>
-                </a:highlight>
-              </a:rPr>
-              <a:t>WEINTROP, David. </a:t>
+              <a:rPr lang="pt-BR"/>
+              <a:t>Java, Python e MicroPython.</a:t>
             </a:r>
+            <a:endParaRPr/>
+          </a:p>
+        </p:txBody>
+      </p:sp>
+      <p:pic>
+        <p:nvPicPr>
+          <p:cNvPr id="123" name="Google Shape;123;p22"/>
+          <p:cNvPicPr preferRelativeResize="0"/>
+          <p:nvPr/>
+        </p:nvPicPr>
+        <p:blipFill>
+          <a:blip r:embed="rId3">
+            <a:alphaModFix/>
+          </a:blip>
+          <a:stretch>
+            <a:fillRect/>
+          </a:stretch>
+        </p:blipFill>
+        <p:spPr>
+          <a:xfrm>
+            <a:off x="5547475" y="1944000"/>
+            <a:ext cx="3616775" cy="2520150"/>
+          </a:xfrm>
+          <a:prstGeom prst="rect">
+            <a:avLst/>
+          </a:prstGeom>
+          <a:noFill/>
+          <a:ln>
+            <a:noFill/>
+          </a:ln>
+        </p:spPr>
+      </p:pic>
+      <p:sp>
+        <p:nvSpPr>
+          <p:cNvPr id="124" name="Google Shape;124;p22"/>
+          <p:cNvSpPr txBox="1"/>
+          <p:nvPr/>
+        </p:nvSpPr>
+        <p:spPr>
+          <a:xfrm>
+            <a:off x="5547475" y="4529150"/>
+            <a:ext cx="4010100" cy="338700"/>
+          </a:xfrm>
+          <a:prstGeom prst="rect">
+            <a:avLst/>
+          </a:prstGeom>
+          <a:noFill/>
+          <a:ln>
+            <a:noFill/>
+          </a:ln>
+        </p:spPr>
+        <p:txBody>
+          <a:bodyPr anchorCtr="0" anchor="t" bIns="91425" lIns="91425" spcFirstLastPara="1" rIns="91425" wrap="square" tIns="91425">
+            <a:spAutoFit/>
+          </a:bodyPr>
+          <a:lstStyle/>
+          <a:p>
+            <a:pPr indent="0" lvl="0" marL="0" rtl="0" algn="l">
+              <a:spcBef>
+                <a:spcPts val="0"/>
+              </a:spcBef>
+              <a:spcAft>
+                <a:spcPts val="0"/>
+              </a:spcAft>
+              <a:buNone/>
+            </a:pPr>
             <a:r>
-              <a:rPr b="1" lang="pt-BR" sz="1200">
-                <a:solidFill>
-                  <a:schemeClr val="dk1"/>
-                </a:solidFill>
-                <a:highlight>
-                  <a:srgbClr val="FFFFFF"/>
-                </a:highlight>
-              </a:rPr>
-              <a:t>Block-based programming in computer science education</a:t>
+              <a:rPr lang="pt-BR" sz="1000"/>
+              <a:t>Fonte: Elaboração própria (2022).</a:t>
             </a:r>
-            <a:r>
-              <a:rPr lang="pt-BR" sz="1200">
-                <a:solidFill>
-                  <a:schemeClr val="dk1"/>
-                </a:solidFill>
-                <a:highlight>
-                  <a:srgbClr val="FFFFFF"/>
-                </a:highlight>
-              </a:rPr>
-              <a:t>. Communications of the ACM, v. 62, n. 8, p. 22-25, 2019.</a:t>
-            </a:r>
-            <a:endParaRPr sz="1200">
-              <a:solidFill>
-                <a:srgbClr val="222222"/>
-              </a:solidFill>
-              <a:highlight>
-                <a:srgbClr val="FFFFFF"/>
-              </a:highlight>
-              <a:latin typeface="Roboto"/>
-              <a:ea typeface="Roboto"/>
-              <a:cs typeface="Roboto"/>
-              <a:sym typeface="Roboto"/>
-            </a:endParaRPr>
+            <a:endParaRPr sz="1000"/>
           </a:p>
         </p:txBody>
       </p:sp>

--- a/Slides TCC.pptx
+++ b/Slides TCC.pptx
@@ -19,16 +19,18 @@
     <p:sldId id="264" r:id="rId14"/>
     <p:sldId id="265" r:id="rId15"/>
     <p:sldId id="266" r:id="rId16"/>
+    <p:sldId id="267" r:id="rId17"/>
+    <p:sldId id="268" r:id="rId18"/>
   </p:sldIdLst>
   <p:sldSz cy="5670550" cx="10080625"/>
   <p:notesSz cx="7559675" cy="10691800"/>
   <p:embeddedFontLst>
     <p:embeddedFont>
       <p:font typeface="Roboto"/>
-      <p:regular r:id="rId17"/>
-      <p:bold r:id="rId18"/>
-      <p:italic r:id="rId19"/>
-      <p:boldItalic r:id="rId20"/>
+      <p:regular r:id="rId19"/>
+      <p:bold r:id="rId20"/>
+      <p:italic r:id="rId21"/>
+      <p:boldItalic r:id="rId22"/>
     </p:embeddedFont>
   </p:embeddedFontLst>
   <p:defaultTextStyle>
@@ -892,7 +894,7 @@
   <p:cSld>
     <p:spTree>
       <p:nvGrpSpPr>
-        <p:cNvPr id="131" name="Shape 131"/>
+        <p:cNvPr id="133" name="Shape 133"/>
         <p:cNvGrpSpPr/>
         <p:nvPr/>
       </p:nvGrpSpPr>
@@ -906,7 +908,7 @@
       </p:grpSpPr>
       <p:sp>
         <p:nvSpPr>
-          <p:cNvPr id="132" name="Google Shape;132;g1af933a7b1c_0_2:notes"/>
+          <p:cNvPr id="134" name="Google Shape;134;g1aff6f9f25c_0_4:notes"/>
           <p:cNvSpPr/>
           <p:nvPr>
             <p:ph idx="2" type="sldImg"/>
@@ -941,7 +943,205 @@
       </p:sp>
       <p:sp>
         <p:nvSpPr>
-          <p:cNvPr id="133" name="Google Shape;133;g1af933a7b1c_0_2:notes"/>
+          <p:cNvPr id="135" name="Google Shape;135;g1aff6f9f25c_0_4:notes"/>
+          <p:cNvSpPr txBox="1"/>
+          <p:nvPr>
+            <p:ph idx="1" type="body"/>
+          </p:nvPr>
+        </p:nvSpPr>
+        <p:spPr>
+          <a:xfrm>
+            <a:off x="755950" y="5078600"/>
+            <a:ext cx="6047700" cy="4811400"/>
+          </a:xfrm>
+          <a:prstGeom prst="rect">
+            <a:avLst/>
+          </a:prstGeom>
+        </p:spPr>
+        <p:txBody>
+          <a:bodyPr anchorCtr="0" anchor="t" bIns="91425" lIns="91425" spcFirstLastPara="1" rIns="91425" wrap="square" tIns="91425">
+            <a:noAutofit/>
+          </a:bodyPr>
+          <a:lstStyle/>
+          <a:p>
+            <a:pPr indent="0" lvl="0" marL="0" rtl="0" algn="l">
+              <a:spcBef>
+                <a:spcPts val="0"/>
+              </a:spcBef>
+              <a:spcAft>
+                <a:spcPts val="0"/>
+              </a:spcAft>
+              <a:buNone/>
+            </a:pPr>
+            <a:r>
+              <a:t/>
+            </a:r>
+            <a:endParaRPr/>
+          </a:p>
+        </p:txBody>
+      </p:sp>
+    </p:spTree>
+  </p:cSld>
+  <p:clrMapOvr>
+    <a:masterClrMapping/>
+  </p:clrMapOvr>
+</p:notes>
+</file>
+
+<file path=ppt/notesSlides/notesSlide12.xml><?xml version="1.0" encoding="utf-8"?>
+<p:notes xmlns:a="http://schemas.openxmlformats.org/drawingml/2006/main" xmlns:r="http://schemas.openxmlformats.org/officeDocument/2006/relationships" xmlns:mc="http://schemas.openxmlformats.org/markup-compatibility/2006" xmlns:mv="urn:schemas-microsoft-com:mac:vml" xmlns:p="http://schemas.openxmlformats.org/presentationml/2006/main" xmlns:c="http://schemas.openxmlformats.org/drawingml/2006/chart" xmlns:dgm="http://schemas.openxmlformats.org/drawingml/2006/diagram" xmlns:o="urn:schemas-microsoft-com:office:office" xmlns:v="urn:schemas-microsoft-com:vml" xmlns:pvml="urn:schemas-microsoft-com:office:powerpoint" xmlns:com="http://schemas.openxmlformats.org/drawingml/2006/compatibility" xmlns:p14="http://schemas.microsoft.com/office/powerpoint/2010/main" xmlns:p15="http://schemas.microsoft.com/office/powerpoint/2012/main" xmlns:ahyp="http://schemas.microsoft.com/office/drawing/2018/hyperlinkcolor" showMasterPhAnim="0" showMasterSp="0">
+  <p:cSld>
+    <p:spTree>
+      <p:nvGrpSpPr>
+        <p:cNvPr id="141" name="Shape 141"/>
+        <p:cNvGrpSpPr/>
+        <p:nvPr/>
+      </p:nvGrpSpPr>
+      <p:grpSpPr>
+        <a:xfrm>
+          <a:off x="0" y="0"/>
+          <a:ext cx="0" cy="0"/>
+          <a:chOff x="0" y="0"/>
+          <a:chExt cx="0" cy="0"/>
+        </a:xfrm>
+      </p:grpSpPr>
+      <p:sp>
+        <p:nvSpPr>
+          <p:cNvPr id="142" name="Google Shape;142;g1aff6f9f25c_0_13:notes"/>
+          <p:cNvSpPr/>
+          <p:nvPr>
+            <p:ph idx="2" type="sldImg"/>
+          </p:nvPr>
+        </p:nvSpPr>
+        <p:spPr>
+          <a:xfrm>
+            <a:off x="1260175" y="801875"/>
+            <a:ext cx="5040000" cy="4009500"/>
+          </a:xfrm>
+          <a:custGeom>
+            <a:rect b="b" l="l" r="r" t="t"/>
+            <a:pathLst>
+              <a:path extrusionOk="0" h="120000" w="120000">
+                <a:moveTo>
+                  <a:pt x="0" y="0"/>
+                </a:moveTo>
+                <a:lnTo>
+                  <a:pt x="120000" y="0"/>
+                </a:lnTo>
+                <a:lnTo>
+                  <a:pt x="120000" y="120000"/>
+                </a:lnTo>
+                <a:lnTo>
+                  <a:pt x="0" y="120000"/>
+                </a:lnTo>
+                <a:close/>
+              </a:path>
+            </a:pathLst>
+          </a:custGeom>
+        </p:spPr>
+      </p:sp>
+      <p:sp>
+        <p:nvSpPr>
+          <p:cNvPr id="143" name="Google Shape;143;g1aff6f9f25c_0_13:notes"/>
+          <p:cNvSpPr txBox="1"/>
+          <p:nvPr>
+            <p:ph idx="1" type="body"/>
+          </p:nvPr>
+        </p:nvSpPr>
+        <p:spPr>
+          <a:xfrm>
+            <a:off x="755950" y="5078600"/>
+            <a:ext cx="6047700" cy="4811400"/>
+          </a:xfrm>
+          <a:prstGeom prst="rect">
+            <a:avLst/>
+          </a:prstGeom>
+        </p:spPr>
+        <p:txBody>
+          <a:bodyPr anchorCtr="0" anchor="t" bIns="91425" lIns="91425" spcFirstLastPara="1" rIns="91425" wrap="square" tIns="91425">
+            <a:noAutofit/>
+          </a:bodyPr>
+          <a:lstStyle/>
+          <a:p>
+            <a:pPr indent="0" lvl="0" marL="0" rtl="0" algn="l">
+              <a:spcBef>
+                <a:spcPts val="0"/>
+              </a:spcBef>
+              <a:spcAft>
+                <a:spcPts val="0"/>
+              </a:spcAft>
+              <a:buNone/>
+            </a:pPr>
+            <a:r>
+              <a:t/>
+            </a:r>
+            <a:endParaRPr/>
+          </a:p>
+        </p:txBody>
+      </p:sp>
+    </p:spTree>
+  </p:cSld>
+  <p:clrMapOvr>
+    <a:masterClrMapping/>
+  </p:clrMapOvr>
+</p:notes>
+</file>
+
+<file path=ppt/notesSlides/notesSlide13.xml><?xml version="1.0" encoding="utf-8"?>
+<p:notes xmlns:a="http://schemas.openxmlformats.org/drawingml/2006/main" xmlns:r="http://schemas.openxmlformats.org/officeDocument/2006/relationships" xmlns:mc="http://schemas.openxmlformats.org/markup-compatibility/2006" xmlns:mv="urn:schemas-microsoft-com:mac:vml" xmlns:p="http://schemas.openxmlformats.org/presentationml/2006/main" xmlns:c="http://schemas.openxmlformats.org/drawingml/2006/chart" xmlns:dgm="http://schemas.openxmlformats.org/drawingml/2006/diagram" xmlns:o="urn:schemas-microsoft-com:office:office" xmlns:v="urn:schemas-microsoft-com:vml" xmlns:pvml="urn:schemas-microsoft-com:office:powerpoint" xmlns:com="http://schemas.openxmlformats.org/drawingml/2006/compatibility" xmlns:p14="http://schemas.microsoft.com/office/powerpoint/2010/main" xmlns:p15="http://schemas.microsoft.com/office/powerpoint/2012/main" xmlns:ahyp="http://schemas.microsoft.com/office/drawing/2018/hyperlinkcolor" showMasterPhAnim="0" showMasterSp="0">
+  <p:cSld>
+    <p:spTree>
+      <p:nvGrpSpPr>
+        <p:cNvPr id="147" name="Shape 147"/>
+        <p:cNvGrpSpPr/>
+        <p:nvPr/>
+      </p:nvGrpSpPr>
+      <p:grpSpPr>
+        <a:xfrm>
+          <a:off x="0" y="0"/>
+          <a:ext cx="0" cy="0"/>
+          <a:chOff x="0" y="0"/>
+          <a:chExt cx="0" cy="0"/>
+        </a:xfrm>
+      </p:grpSpPr>
+      <p:sp>
+        <p:nvSpPr>
+          <p:cNvPr id="148" name="Google Shape;148;g1af933a7b1c_0_2:notes"/>
+          <p:cNvSpPr/>
+          <p:nvPr>
+            <p:ph idx="2" type="sldImg"/>
+          </p:nvPr>
+        </p:nvSpPr>
+        <p:spPr>
+          <a:xfrm>
+            <a:off x="1260175" y="801875"/>
+            <a:ext cx="5040000" cy="4009500"/>
+          </a:xfrm>
+          <a:custGeom>
+            <a:rect b="b" l="l" r="r" t="t"/>
+            <a:pathLst>
+              <a:path extrusionOk="0" h="120000" w="120000">
+                <a:moveTo>
+                  <a:pt x="0" y="0"/>
+                </a:moveTo>
+                <a:lnTo>
+                  <a:pt x="120000" y="0"/>
+                </a:lnTo>
+                <a:lnTo>
+                  <a:pt x="120000" y="120000"/>
+                </a:lnTo>
+                <a:lnTo>
+                  <a:pt x="0" y="120000"/>
+                </a:lnTo>
+                <a:close/>
+              </a:path>
+            </a:pathLst>
+          </a:custGeom>
+        </p:spPr>
+      </p:sp>
+      <p:sp>
+        <p:nvSpPr>
+          <p:cNvPr id="149" name="Google Shape;149;g1af933a7b1c_0_2:notes"/>
           <p:cNvSpPr txBox="1"/>
           <p:nvPr>
             <p:ph idx="1" type="body"/>
@@ -8621,6 +8821,120 @@
             </a:r>
             <a:endParaRPr/>
           </a:p>
+          <a:p>
+            <a:pPr indent="-317500" lvl="0" marL="457200" rtl="0" algn="l">
+              <a:lnSpc>
+                <a:spcPct val="150000"/>
+              </a:lnSpc>
+              <a:spcBef>
+                <a:spcPts val="0"/>
+              </a:spcBef>
+              <a:spcAft>
+                <a:spcPts val="0"/>
+              </a:spcAft>
+              <a:buSzPts val="1400"/>
+              <a:buChar char="●"/>
+            </a:pPr>
+            <a:r>
+              <a:rPr lang="pt-BR"/>
+              <a:t>Possuem um ambiente para programação.</a:t>
+            </a:r>
+            <a:endParaRPr/>
+          </a:p>
+          <a:p>
+            <a:pPr indent="-317500" lvl="0" marL="457200" rtl="0" algn="l">
+              <a:lnSpc>
+                <a:spcPct val="150000"/>
+              </a:lnSpc>
+              <a:spcBef>
+                <a:spcPts val="0"/>
+              </a:spcBef>
+              <a:spcAft>
+                <a:spcPts val="0"/>
+              </a:spcAft>
+              <a:buSzPts val="1400"/>
+              <a:buChar char="●"/>
+            </a:pPr>
+            <a:r>
+              <a:rPr lang="pt-BR"/>
+              <a:t>Amplamente utilizada no ensino.</a:t>
+            </a:r>
+            <a:endParaRPr/>
+          </a:p>
+        </p:txBody>
+      </p:sp>
+      <p:pic>
+        <p:nvPicPr>
+          <p:cNvPr id="131" name="Google Shape;131;p23"/>
+          <p:cNvPicPr preferRelativeResize="0"/>
+          <p:nvPr/>
+        </p:nvPicPr>
+        <p:blipFill>
+          <a:blip r:embed="rId3">
+            <a:alphaModFix/>
+          </a:blip>
+          <a:stretch>
+            <a:fillRect/>
+          </a:stretch>
+        </p:blipFill>
+        <p:spPr>
+          <a:xfrm>
+            <a:off x="5475475" y="2217651"/>
+            <a:ext cx="4374026" cy="2501675"/>
+          </a:xfrm>
+          <a:prstGeom prst="rect">
+            <a:avLst/>
+          </a:prstGeom>
+          <a:noFill/>
+          <a:ln>
+            <a:noFill/>
+          </a:ln>
+        </p:spPr>
+      </p:pic>
+      <p:sp>
+        <p:nvSpPr>
+          <p:cNvPr id="132" name="Google Shape;132;p23"/>
+          <p:cNvSpPr txBox="1"/>
+          <p:nvPr/>
+        </p:nvSpPr>
+        <p:spPr>
+          <a:xfrm>
+            <a:off x="5475475" y="4719325"/>
+            <a:ext cx="3000000" cy="338700"/>
+          </a:xfrm>
+          <a:prstGeom prst="rect">
+            <a:avLst/>
+          </a:prstGeom>
+          <a:noFill/>
+          <a:ln>
+            <a:noFill/>
+          </a:ln>
+        </p:spPr>
+        <p:txBody>
+          <a:bodyPr anchorCtr="0" anchor="t" bIns="91425" lIns="91425" spcFirstLastPara="1" rIns="91425" wrap="square" tIns="91425">
+            <a:spAutoFit/>
+          </a:bodyPr>
+          <a:lstStyle/>
+          <a:p>
+            <a:pPr indent="0" lvl="0" marL="0" rtl="0" algn="l">
+              <a:spcBef>
+                <a:spcPts val="600"/>
+              </a:spcBef>
+              <a:spcAft>
+                <a:spcPts val="1200"/>
+              </a:spcAft>
+              <a:buNone/>
+            </a:pPr>
+            <a:r>
+              <a:rPr lang="pt-BR" sz="1000">
+                <a:solidFill>
+                  <a:schemeClr val="dk1"/>
+                </a:solidFill>
+              </a:rPr>
+              <a:t>Fonte: Weintrop (2019).</a:t>
+            </a:r>
+            <a:endParaRPr/>
+          </a:p>
         </p:txBody>
       </p:sp>
     </p:spTree>
@@ -8636,7 +8950,7 @@
   <p:cSld>
     <p:spTree>
       <p:nvGrpSpPr>
-        <p:cNvPr id="134" name="Shape 134"/>
+        <p:cNvPr id="136" name="Shape 136"/>
         <p:cNvGrpSpPr/>
         <p:nvPr/>
       </p:nvGrpSpPr>
@@ -8650,7 +8964,7 @@
       </p:grpSpPr>
       <p:sp>
         <p:nvSpPr>
-          <p:cNvPr id="135" name="Google Shape;135;p24"/>
+          <p:cNvPr id="137" name="Google Shape;137;p24"/>
           <p:cNvSpPr txBox="1"/>
           <p:nvPr>
             <p:ph type="title"/>
@@ -8686,7 +9000,15 @@
                   <a:srgbClr val="45982F"/>
                 </a:solidFill>
               </a:rPr>
-              <a:t>Referências</a:t>
+              <a:t>Ensino de </a:t>
+            </a:r>
+            <a:r>
+              <a:rPr b="1" lang="pt-BR" sz="3200">
+                <a:solidFill>
+                  <a:srgbClr val="45982F"/>
+                </a:solidFill>
+              </a:rPr>
+              <a:t>Programação em Blocos</a:t>
             </a:r>
             <a:endParaRPr sz="2500"/>
           </a:p>
@@ -8694,7 +9016,349 @@
       </p:sp>
       <p:sp>
         <p:nvSpPr>
-          <p:cNvPr id="136" name="Google Shape;136;p24"/>
+          <p:cNvPr id="138" name="Google Shape;138;p24"/>
+          <p:cNvSpPr txBox="1"/>
+          <p:nvPr>
+            <p:ph idx="1" type="body"/>
+          </p:nvPr>
+        </p:nvSpPr>
+        <p:spPr>
+          <a:xfrm>
+            <a:off x="360000" y="1944000"/>
+            <a:ext cx="9216000" cy="3220500"/>
+          </a:xfrm>
+          <a:prstGeom prst="rect">
+            <a:avLst/>
+          </a:prstGeom>
+        </p:spPr>
+        <p:txBody>
+          <a:bodyPr anchorCtr="0" anchor="t" bIns="0" lIns="0" spcFirstLastPara="1" rIns="0" wrap="square" tIns="0">
+            <a:noAutofit/>
+          </a:bodyPr>
+          <a:lstStyle/>
+          <a:p>
+            <a:pPr indent="-317500" lvl="0" marL="457200" rtl="0" algn="l">
+              <a:lnSpc>
+                <a:spcPct val="150000"/>
+              </a:lnSpc>
+              <a:spcBef>
+                <a:spcPts val="0"/>
+              </a:spcBef>
+              <a:spcAft>
+                <a:spcPts val="0"/>
+              </a:spcAft>
+              <a:buSzPts val="1400"/>
+              <a:buChar char="●"/>
+            </a:pPr>
+            <a:r>
+              <a:rPr lang="pt-BR"/>
+              <a:t>Introdução de conceitos.</a:t>
+            </a:r>
+            <a:endParaRPr/>
+          </a:p>
+          <a:p>
+            <a:pPr indent="-317500" lvl="0" marL="457200" rtl="0" algn="l">
+              <a:lnSpc>
+                <a:spcPct val="150000"/>
+              </a:lnSpc>
+              <a:spcBef>
+                <a:spcPts val="0"/>
+              </a:spcBef>
+              <a:spcAft>
+                <a:spcPts val="0"/>
+              </a:spcAft>
+              <a:buSzPts val="1400"/>
+              <a:buChar char="●"/>
+            </a:pPr>
+            <a:r>
+              <a:rPr lang="pt-BR"/>
+              <a:t>Migração para linguagens textuais.</a:t>
+            </a:r>
+            <a:endParaRPr/>
+          </a:p>
+        </p:txBody>
+      </p:sp>
+      <p:sp>
+        <p:nvSpPr>
+          <p:cNvPr id="139" name="Google Shape;139;p24"/>
+          <p:cNvSpPr txBox="1"/>
+          <p:nvPr/>
+        </p:nvSpPr>
+        <p:spPr>
+          <a:xfrm>
+            <a:off x="4572550" y="4870275"/>
+            <a:ext cx="3000000" cy="646500"/>
+          </a:xfrm>
+          <a:prstGeom prst="rect">
+            <a:avLst/>
+          </a:prstGeom>
+          <a:noFill/>
+          <a:ln>
+            <a:noFill/>
+          </a:ln>
+        </p:spPr>
+        <p:txBody>
+          <a:bodyPr anchorCtr="0" anchor="t" bIns="91425" lIns="91425" spcFirstLastPara="1" rIns="91425" wrap="square" tIns="91425">
+            <a:spAutoFit/>
+          </a:bodyPr>
+          <a:lstStyle/>
+          <a:p>
+            <a:pPr indent="0" lvl="0" marL="0" rtl="0" algn="l">
+              <a:spcBef>
+                <a:spcPts val="600"/>
+              </a:spcBef>
+              <a:spcAft>
+                <a:spcPts val="0"/>
+              </a:spcAft>
+              <a:buNone/>
+            </a:pPr>
+            <a:r>
+              <a:rPr lang="pt-BR" sz="1000">
+                <a:solidFill>
+                  <a:schemeClr val="dk1"/>
+                </a:solidFill>
+              </a:rPr>
+              <a:t>Fonte: Adaptado de Weintrop e Wilensky (2015).</a:t>
+            </a:r>
+            <a:endParaRPr sz="1200">
+              <a:solidFill>
+                <a:schemeClr val="dk1"/>
+              </a:solidFill>
+            </a:endParaRPr>
+          </a:p>
+          <a:p>
+            <a:pPr indent="0" lvl="0" marL="0" rtl="0" algn="l">
+              <a:spcBef>
+                <a:spcPts val="1200"/>
+              </a:spcBef>
+              <a:spcAft>
+                <a:spcPts val="1200"/>
+              </a:spcAft>
+              <a:buNone/>
+            </a:pPr>
+            <a:r>
+              <a:t/>
+            </a:r>
+            <a:endParaRPr sz="1000">
+              <a:solidFill>
+                <a:schemeClr val="dk1"/>
+              </a:solidFill>
+            </a:endParaRPr>
+          </a:p>
+        </p:txBody>
+      </p:sp>
+      <p:pic>
+        <p:nvPicPr>
+          <p:cNvPr id="140" name="Google Shape;140;p24"/>
+          <p:cNvPicPr preferRelativeResize="0"/>
+          <p:nvPr/>
+        </p:nvPicPr>
+        <p:blipFill>
+          <a:blip r:embed="rId3">
+            <a:alphaModFix/>
+          </a:blip>
+          <a:stretch>
+            <a:fillRect/>
+          </a:stretch>
+        </p:blipFill>
+        <p:spPr>
+          <a:xfrm>
+            <a:off x="4572550" y="2040875"/>
+            <a:ext cx="5331050" cy="2829400"/>
+          </a:xfrm>
+          <a:prstGeom prst="rect">
+            <a:avLst/>
+          </a:prstGeom>
+          <a:noFill/>
+          <a:ln>
+            <a:noFill/>
+          </a:ln>
+        </p:spPr>
+      </p:pic>
+    </p:spTree>
+  </p:cSld>
+  <p:clrMapOvr>
+    <a:masterClrMapping/>
+  </p:clrMapOvr>
+</p:sld>
+</file>
+
+<file path=ppt/slides/slide12.xml><?xml version="1.0" encoding="utf-8"?>
+<p:sld xmlns:a="http://schemas.openxmlformats.org/drawingml/2006/main" xmlns:r="http://schemas.openxmlformats.org/officeDocument/2006/relationships" xmlns:mc="http://schemas.openxmlformats.org/markup-compatibility/2006" xmlns:mv="urn:schemas-microsoft-com:mac:vml" xmlns:p="http://schemas.openxmlformats.org/presentationml/2006/main" xmlns:c="http://schemas.openxmlformats.org/drawingml/2006/chart" xmlns:dgm="http://schemas.openxmlformats.org/drawingml/2006/diagram" xmlns:o="urn:schemas-microsoft-com:office:office" xmlns:v="urn:schemas-microsoft-com:vml" xmlns:pvml="urn:schemas-microsoft-com:office:powerpoint" xmlns:com="http://schemas.openxmlformats.org/drawingml/2006/compatibility" xmlns:p14="http://schemas.microsoft.com/office/powerpoint/2010/main" xmlns:p15="http://schemas.microsoft.com/office/powerpoint/2012/main" xmlns:ahyp="http://schemas.microsoft.com/office/drawing/2018/hyperlinkcolor">
+  <p:cSld>
+    <p:spTree>
+      <p:nvGrpSpPr>
+        <p:cNvPr id="144" name="Shape 144"/>
+        <p:cNvGrpSpPr/>
+        <p:nvPr/>
+      </p:nvGrpSpPr>
+      <p:grpSpPr>
+        <a:xfrm>
+          <a:off x="0" y="0"/>
+          <a:ext cx="0" cy="0"/>
+          <a:chOff x="0" y="0"/>
+          <a:chExt cx="0" cy="0"/>
+        </a:xfrm>
+      </p:grpSpPr>
+      <p:sp>
+        <p:nvSpPr>
+          <p:cNvPr id="145" name="Google Shape;145;p25"/>
+          <p:cNvSpPr txBox="1"/>
+          <p:nvPr>
+            <p:ph type="title"/>
+          </p:nvPr>
+        </p:nvSpPr>
+        <p:spPr>
+          <a:xfrm>
+            <a:off x="1584300" y="942975"/>
+            <a:ext cx="7991700" cy="457200"/>
+          </a:xfrm>
+          <a:prstGeom prst="rect">
+            <a:avLst/>
+          </a:prstGeom>
+        </p:spPr>
+        <p:txBody>
+          <a:bodyPr anchorCtr="0" anchor="ctr" bIns="0" lIns="0" spcFirstLastPara="1" rIns="0" wrap="square" tIns="0">
+            <a:noAutofit/>
+          </a:bodyPr>
+          <a:lstStyle/>
+          <a:p>
+            <a:pPr indent="0" lvl="0" marL="0" rtl="0" algn="l">
+              <a:spcBef>
+                <a:spcPts val="0"/>
+              </a:spcBef>
+              <a:spcAft>
+                <a:spcPts val="0"/>
+              </a:spcAft>
+              <a:buNone/>
+            </a:pPr>
+            <a:r>
+              <a:rPr b="1" lang="pt-BR" sz="3200">
+                <a:solidFill>
+                  <a:srgbClr val="45982F"/>
+                </a:solidFill>
+              </a:rPr>
+              <a:t>MicroBlocks</a:t>
+            </a:r>
+            <a:endParaRPr sz="2500"/>
+          </a:p>
+        </p:txBody>
+      </p:sp>
+      <p:sp>
+        <p:nvSpPr>
+          <p:cNvPr id="146" name="Google Shape;146;p25"/>
+          <p:cNvSpPr txBox="1"/>
+          <p:nvPr>
+            <p:ph idx="1" type="body"/>
+          </p:nvPr>
+        </p:nvSpPr>
+        <p:spPr>
+          <a:xfrm>
+            <a:off x="360000" y="1944000"/>
+            <a:ext cx="9216000" cy="3220500"/>
+          </a:xfrm>
+          <a:prstGeom prst="rect">
+            <a:avLst/>
+          </a:prstGeom>
+        </p:spPr>
+        <p:txBody>
+          <a:bodyPr anchorCtr="0" anchor="t" bIns="0" lIns="0" spcFirstLastPara="1" rIns="0" wrap="square" tIns="0">
+            <a:noAutofit/>
+          </a:bodyPr>
+          <a:lstStyle/>
+          <a:p>
+            <a:pPr indent="-317500" lvl="0" marL="457200" rtl="0" algn="l">
+              <a:lnSpc>
+                <a:spcPct val="150000"/>
+              </a:lnSpc>
+              <a:spcBef>
+                <a:spcPts val="0"/>
+              </a:spcBef>
+              <a:spcAft>
+                <a:spcPts val="0"/>
+              </a:spcAft>
+              <a:buSzPts val="1400"/>
+              <a:buChar char="●"/>
+            </a:pPr>
+            <a:r>
+              <a:t/>
+            </a:r>
+            <a:endParaRPr/>
+          </a:p>
+        </p:txBody>
+      </p:sp>
+    </p:spTree>
+  </p:cSld>
+  <p:clrMapOvr>
+    <a:masterClrMapping/>
+  </p:clrMapOvr>
+</p:sld>
+</file>
+
+<file path=ppt/slides/slide13.xml><?xml version="1.0" encoding="utf-8"?>
+<p:sld xmlns:a="http://schemas.openxmlformats.org/drawingml/2006/main" xmlns:r="http://schemas.openxmlformats.org/officeDocument/2006/relationships" xmlns:mc="http://schemas.openxmlformats.org/markup-compatibility/2006" xmlns:mv="urn:schemas-microsoft-com:mac:vml" xmlns:p="http://schemas.openxmlformats.org/presentationml/2006/main" xmlns:c="http://schemas.openxmlformats.org/drawingml/2006/chart" xmlns:dgm="http://schemas.openxmlformats.org/drawingml/2006/diagram" xmlns:o="urn:schemas-microsoft-com:office:office" xmlns:v="urn:schemas-microsoft-com:vml" xmlns:pvml="urn:schemas-microsoft-com:office:powerpoint" xmlns:com="http://schemas.openxmlformats.org/drawingml/2006/compatibility" xmlns:p14="http://schemas.microsoft.com/office/powerpoint/2010/main" xmlns:p15="http://schemas.microsoft.com/office/powerpoint/2012/main" xmlns:ahyp="http://schemas.microsoft.com/office/drawing/2018/hyperlinkcolor">
+  <p:cSld>
+    <p:spTree>
+      <p:nvGrpSpPr>
+        <p:cNvPr id="150" name="Shape 150"/>
+        <p:cNvGrpSpPr/>
+        <p:nvPr/>
+      </p:nvGrpSpPr>
+      <p:grpSpPr>
+        <a:xfrm>
+          <a:off x="0" y="0"/>
+          <a:ext cx="0" cy="0"/>
+          <a:chOff x="0" y="0"/>
+          <a:chExt cx="0" cy="0"/>
+        </a:xfrm>
+      </p:grpSpPr>
+      <p:sp>
+        <p:nvSpPr>
+          <p:cNvPr id="151" name="Google Shape;151;p26"/>
+          <p:cNvSpPr txBox="1"/>
+          <p:nvPr>
+            <p:ph type="title"/>
+          </p:nvPr>
+        </p:nvSpPr>
+        <p:spPr>
+          <a:xfrm>
+            <a:off x="1584300" y="942975"/>
+            <a:ext cx="7991700" cy="457200"/>
+          </a:xfrm>
+          <a:prstGeom prst="rect">
+            <a:avLst/>
+          </a:prstGeom>
+        </p:spPr>
+        <p:txBody>
+          <a:bodyPr anchorCtr="0" anchor="ctr" bIns="0" lIns="0" spcFirstLastPara="1" rIns="0" wrap="square" tIns="0">
+            <a:noAutofit/>
+          </a:bodyPr>
+          <a:lstStyle/>
+          <a:p>
+            <a:pPr indent="0" lvl="0" marL="0" rtl="0" algn="l">
+              <a:spcBef>
+                <a:spcPts val="0"/>
+              </a:spcBef>
+              <a:spcAft>
+                <a:spcPts val="0"/>
+              </a:spcAft>
+              <a:buNone/>
+            </a:pPr>
+            <a:r>
+              <a:rPr b="1" lang="pt-BR" sz="3200">
+                <a:solidFill>
+                  <a:srgbClr val="45982F"/>
+                </a:solidFill>
+              </a:rPr>
+              <a:t>Referências</a:t>
+            </a:r>
+            <a:endParaRPr sz="2500"/>
+          </a:p>
+        </p:txBody>
+      </p:sp>
+      <p:sp>
+        <p:nvSpPr>
+          <p:cNvPr id="152" name="Google Shape;152;p26"/>
           <p:cNvSpPr txBox="1"/>
           <p:nvPr>
             <p:ph idx="1" type="body"/>
@@ -10434,7 +11098,7 @@
             </a:r>
             <a:r>
               <a:rPr lang="pt-BR"/>
-              <a:t> com regras de execução (Sammet, 1969).</a:t>
+              <a:t> com regras de execução.</a:t>
             </a:r>
             <a:endParaRPr/>
           </a:p>
@@ -10841,7 +11505,7 @@
             <a:tbl>
               <a:tblPr bandRow="1">
                 <a:noFill/>
-                <a:tableStyleId>{CD12DEEA-8704-44CE-8D61-7A6D1C8A6C75}</a:tableStyleId>
+                <a:tableStyleId>{BB92F4A2-D940-472F-9486-8A227EBDD7E6}</a:tableStyleId>
               </a:tblPr>
               <a:tblGrid>
                 <a:gridCol w="1184975"/>
